--- a/doc/数字货币兑换路径优化研究.pptx
+++ b/doc/数字货币兑换路径优化研究.pptx
@@ -6,6 +6,7 @@
   </p:sldMasterIdLst>
   <p:sldIdLst>
     <p:sldId id="256" r:id="rId2"/>
+    <p:sldId id="257" r:id="rId3"/>
   </p:sldIdLst>
   <p:sldSz cx="12192000" cy="6858000"/>
   <p:notesSz cx="6858000" cy="9144000"/>
@@ -416,7 +417,7 @@
           <a:p>
             <a:fld id="{8CCD8CF1-7F43-463B-BBD7-E4019C14AE36}" type="datetimeFigureOut">
               <a:rPr lang="en-US" smtClean="0"/>
-              <a:t>2021-03-30</a:t>
+              <a:t>2021-04-02</a:t>
             </a:fld>
             <a:endParaRPr lang="en-US"/>
           </a:p>
@@ -614,7 +615,7 @@
           <a:p>
             <a:fld id="{8CCD8CF1-7F43-463B-BBD7-E4019C14AE36}" type="datetimeFigureOut">
               <a:rPr lang="en-US" smtClean="0"/>
-              <a:t>2021-03-30</a:t>
+              <a:t>2021-04-02</a:t>
             </a:fld>
             <a:endParaRPr lang="en-US"/>
           </a:p>
@@ -822,7 +823,7 @@
           <a:p>
             <a:fld id="{8CCD8CF1-7F43-463B-BBD7-E4019C14AE36}" type="datetimeFigureOut">
               <a:rPr lang="en-US" smtClean="0"/>
-              <a:t>2021-03-30</a:t>
+              <a:t>2021-04-02</a:t>
             </a:fld>
             <a:endParaRPr lang="en-US"/>
           </a:p>
@@ -1020,7 +1021,7 @@
           <a:p>
             <a:fld id="{8CCD8CF1-7F43-463B-BBD7-E4019C14AE36}" type="datetimeFigureOut">
               <a:rPr lang="en-US" smtClean="0"/>
-              <a:t>2021-03-30</a:t>
+              <a:t>2021-04-02</a:t>
             </a:fld>
             <a:endParaRPr lang="en-US"/>
           </a:p>
@@ -1295,7 +1296,7 @@
           <a:p>
             <a:fld id="{8CCD8CF1-7F43-463B-BBD7-E4019C14AE36}" type="datetimeFigureOut">
               <a:rPr lang="en-US" smtClean="0"/>
-              <a:t>2021-03-30</a:t>
+              <a:t>2021-04-02</a:t>
             </a:fld>
             <a:endParaRPr lang="en-US"/>
           </a:p>
@@ -1560,7 +1561,7 @@
           <a:p>
             <a:fld id="{8CCD8CF1-7F43-463B-BBD7-E4019C14AE36}" type="datetimeFigureOut">
               <a:rPr lang="en-US" smtClean="0"/>
-              <a:t>2021-03-30</a:t>
+              <a:t>2021-04-02</a:t>
             </a:fld>
             <a:endParaRPr lang="en-US"/>
           </a:p>
@@ -1972,7 +1973,7 @@
           <a:p>
             <a:fld id="{8CCD8CF1-7F43-463B-BBD7-E4019C14AE36}" type="datetimeFigureOut">
               <a:rPr lang="en-US" smtClean="0"/>
-              <a:t>2021-03-30</a:t>
+              <a:t>2021-04-02</a:t>
             </a:fld>
             <a:endParaRPr lang="en-US"/>
           </a:p>
@@ -2113,7 +2114,7 @@
           <a:p>
             <a:fld id="{8CCD8CF1-7F43-463B-BBD7-E4019C14AE36}" type="datetimeFigureOut">
               <a:rPr lang="en-US" smtClean="0"/>
-              <a:t>2021-03-30</a:t>
+              <a:t>2021-04-02</a:t>
             </a:fld>
             <a:endParaRPr lang="en-US"/>
           </a:p>
@@ -2226,7 +2227,7 @@
           <a:p>
             <a:fld id="{8CCD8CF1-7F43-463B-BBD7-E4019C14AE36}" type="datetimeFigureOut">
               <a:rPr lang="en-US" smtClean="0"/>
-              <a:t>2021-03-30</a:t>
+              <a:t>2021-04-02</a:t>
             </a:fld>
             <a:endParaRPr lang="en-US"/>
           </a:p>
@@ -2537,7 +2538,7 @@
           <a:p>
             <a:fld id="{8CCD8CF1-7F43-463B-BBD7-E4019C14AE36}" type="datetimeFigureOut">
               <a:rPr lang="en-US" smtClean="0"/>
-              <a:t>2021-03-30</a:t>
+              <a:t>2021-04-02</a:t>
             </a:fld>
             <a:endParaRPr lang="en-US"/>
           </a:p>
@@ -2825,7 +2826,7 @@
           <a:p>
             <a:fld id="{8CCD8CF1-7F43-463B-BBD7-E4019C14AE36}" type="datetimeFigureOut">
               <a:rPr lang="en-US" smtClean="0"/>
-              <a:t>2021-03-30</a:t>
+              <a:t>2021-04-02</a:t>
             </a:fld>
             <a:endParaRPr lang="en-US"/>
           </a:p>
@@ -3066,7 +3067,7 @@
           <a:p>
             <a:fld id="{8CCD8CF1-7F43-463B-BBD7-E4019C14AE36}" type="datetimeFigureOut">
               <a:rPr lang="en-US" smtClean="0"/>
-              <a:t>2021-03-30</a:t>
+              <a:t>2021-04-02</a:t>
             </a:fld>
             <a:endParaRPr lang="en-US"/>
           </a:p>
@@ -3483,363 +3484,8 @@
           <a:chExt cx="0" cy="0"/>
         </a:xfrm>
       </p:grpSpPr>
-      <p:sp>
-        <p:nvSpPr>
-          <p:cNvPr id="4" name="Oval 3">
-            <a:extLst>
-              <a:ext uri="{FF2B5EF4-FFF2-40B4-BE49-F238E27FC236}">
-                <a16:creationId xmlns:a16="http://schemas.microsoft.com/office/drawing/2014/main" id="{AD079CE0-B866-4600-B406-CF86C420358C}"/>
-              </a:ext>
-            </a:extLst>
-          </p:cNvPr>
-          <p:cNvSpPr/>
-          <p:nvPr/>
-        </p:nvSpPr>
-        <p:spPr>
-          <a:xfrm>
-            <a:off x="2797908" y="3048001"/>
-            <a:ext cx="1062892" cy="1062892"/>
-          </a:xfrm>
-          <a:prstGeom prst="ellipse">
-            <a:avLst/>
-          </a:prstGeom>
-          <a:solidFill>
-            <a:schemeClr val="accent4">
-              <a:lumMod val="40000"/>
-              <a:lumOff val="60000"/>
-            </a:schemeClr>
-          </a:solidFill>
-          <a:ln>
-            <a:solidFill>
-              <a:schemeClr val="accent4">
-                <a:lumMod val="75000"/>
-              </a:schemeClr>
-            </a:solidFill>
-          </a:ln>
-        </p:spPr>
-        <p:style>
-          <a:lnRef idx="2">
-            <a:schemeClr val="accent1">
-              <a:shade val="50000"/>
-            </a:schemeClr>
-          </a:lnRef>
-          <a:fillRef idx="1">
-            <a:schemeClr val="accent1"/>
-          </a:fillRef>
-          <a:effectRef idx="0">
-            <a:schemeClr val="accent1"/>
-          </a:effectRef>
-          <a:fontRef idx="minor">
-            <a:schemeClr val="lt1"/>
-          </a:fontRef>
-        </p:style>
-        <p:txBody>
-          <a:bodyPr rtlCol="0" anchor="ctr"/>
-          <a:lstStyle/>
-          <a:p>
-            <a:pPr algn="ctr"/>
-            <a:r>
-              <a:rPr lang="en-US" sz="2400" dirty="0">
-                <a:solidFill>
-                  <a:schemeClr val="tx1"/>
-                </a:solidFill>
-                <a:latin typeface="Cambria Math" panose="02040503050406030204" pitchFamily="18" charset="0"/>
-                <a:ea typeface="Cambria Math" panose="02040503050406030204" pitchFamily="18" charset="0"/>
-              </a:rPr>
-              <a:t>o</a:t>
-            </a:r>
-          </a:p>
-        </p:txBody>
-      </p:sp>
-      <p:sp>
-        <p:nvSpPr>
-          <p:cNvPr id="5" name="Oval 4">
-            <a:extLst>
-              <a:ext uri="{FF2B5EF4-FFF2-40B4-BE49-F238E27FC236}">
-                <a16:creationId xmlns:a16="http://schemas.microsoft.com/office/drawing/2014/main" id="{BBC99BD8-9DAE-43D2-AFDB-9DBBFB813BF9}"/>
-              </a:ext>
-            </a:extLst>
-          </p:cNvPr>
-          <p:cNvSpPr/>
-          <p:nvPr/>
-        </p:nvSpPr>
-        <p:spPr>
-          <a:xfrm>
-            <a:off x="6705600" y="3048001"/>
-            <a:ext cx="1062892" cy="1062892"/>
-          </a:xfrm>
-          <a:prstGeom prst="ellipse">
-            <a:avLst/>
-          </a:prstGeom>
-          <a:solidFill>
-            <a:srgbClr val="92D050"/>
-          </a:solidFill>
-          <a:ln>
-            <a:solidFill>
-              <a:srgbClr val="00B050"/>
-            </a:solidFill>
-          </a:ln>
-        </p:spPr>
-        <p:style>
-          <a:lnRef idx="2">
-            <a:schemeClr val="accent1">
-              <a:shade val="50000"/>
-            </a:schemeClr>
-          </a:lnRef>
-          <a:fillRef idx="1">
-            <a:schemeClr val="accent1"/>
-          </a:fillRef>
-          <a:effectRef idx="0">
-            <a:schemeClr val="accent1"/>
-          </a:effectRef>
-          <a:fontRef idx="minor">
-            <a:schemeClr val="lt1"/>
-          </a:fontRef>
-        </p:style>
-        <p:txBody>
-          <a:bodyPr rtlCol="0" anchor="ctr"/>
-          <a:lstStyle/>
-          <a:p>
-            <a:pPr algn="ctr"/>
-            <a:r>
-              <a:rPr lang="en-US" sz="2400" dirty="0">
-                <a:solidFill>
-                  <a:schemeClr val="tx1"/>
-                </a:solidFill>
-                <a:latin typeface="Cambria Math" panose="02040503050406030204" pitchFamily="18" charset="0"/>
-                <a:ea typeface="Cambria Math" panose="02040503050406030204" pitchFamily="18" charset="0"/>
-              </a:rPr>
-              <a:t>d</a:t>
-            </a:r>
-          </a:p>
-        </p:txBody>
-      </p:sp>
-      <p:cxnSp>
-        <p:nvCxnSpPr>
-          <p:cNvPr id="7" name="Connector: Curved 6">
-            <a:extLst>
-              <a:ext uri="{FF2B5EF4-FFF2-40B4-BE49-F238E27FC236}">
-                <a16:creationId xmlns:a16="http://schemas.microsoft.com/office/drawing/2014/main" id="{E573193A-06D7-4CF6-85C7-C9161E89A189}"/>
-              </a:ext>
-            </a:extLst>
-          </p:cNvPr>
-          <p:cNvCxnSpPr>
-            <a:stCxn id="4" idx="7"/>
-            <a:endCxn id="5" idx="1"/>
-          </p:cNvCxnSpPr>
-          <p:nvPr/>
-        </p:nvCxnSpPr>
-        <p:spPr>
-          <a:xfrm rot="5400000" flipH="1" flipV="1">
-            <a:off x="5283200" y="1625601"/>
-            <a:ext cx="12700" cy="3156114"/>
-          </a:xfrm>
-          <a:prstGeom prst="curvedConnector3">
-            <a:avLst>
-              <a:gd name="adj1" fmla="val 3025646"/>
-            </a:avLst>
-          </a:prstGeom>
-          <a:ln>
-            <a:tailEnd type="triangle"/>
-          </a:ln>
-        </p:spPr>
-        <p:style>
-          <a:lnRef idx="1">
-            <a:schemeClr val="dk1"/>
-          </a:lnRef>
-          <a:fillRef idx="0">
-            <a:schemeClr val="dk1"/>
-          </a:fillRef>
-          <a:effectRef idx="0">
-            <a:schemeClr val="dk1"/>
-          </a:effectRef>
-          <a:fontRef idx="minor">
-            <a:schemeClr val="tx1"/>
-          </a:fontRef>
-        </p:style>
-      </p:cxnSp>
-      <p:cxnSp>
-        <p:nvCxnSpPr>
-          <p:cNvPr id="9" name="Connector: Curved 8">
-            <a:extLst>
-              <a:ext uri="{FF2B5EF4-FFF2-40B4-BE49-F238E27FC236}">
-                <a16:creationId xmlns:a16="http://schemas.microsoft.com/office/drawing/2014/main" id="{2F29DAD1-4D45-479D-9F9E-7A9CDF2E10A1}"/>
-              </a:ext>
-            </a:extLst>
-          </p:cNvPr>
-          <p:cNvCxnSpPr>
-            <a:stCxn id="4" idx="5"/>
-            <a:endCxn id="5" idx="3"/>
-          </p:cNvCxnSpPr>
-          <p:nvPr/>
-        </p:nvCxnSpPr>
-        <p:spPr>
-          <a:xfrm rot="16200000" flipH="1">
-            <a:off x="5283200" y="2377179"/>
-            <a:ext cx="12700" cy="3156114"/>
-          </a:xfrm>
-          <a:prstGeom prst="curvedConnector3">
-            <a:avLst>
-              <a:gd name="adj1" fmla="val 3025646"/>
-            </a:avLst>
-          </a:prstGeom>
-          <a:ln>
-            <a:tailEnd type="triangle"/>
-          </a:ln>
-        </p:spPr>
-        <p:style>
-          <a:lnRef idx="1">
-            <a:schemeClr val="dk1"/>
-          </a:lnRef>
-          <a:fillRef idx="0">
-            <a:schemeClr val="dk1"/>
-          </a:fillRef>
-          <a:effectRef idx="0">
-            <a:schemeClr val="dk1"/>
-          </a:effectRef>
-          <a:fontRef idx="minor">
-            <a:schemeClr val="tx1"/>
-          </a:fontRef>
-        </p:style>
-      </p:cxnSp>
-      <p:sp>
-        <p:nvSpPr>
-          <p:cNvPr id="10" name="Rectangle 9">
-            <a:extLst>
-              <a:ext uri="{FF2B5EF4-FFF2-40B4-BE49-F238E27FC236}">
-                <a16:creationId xmlns:a16="http://schemas.microsoft.com/office/drawing/2014/main" id="{3C00A4A8-1391-4D95-BA94-E282132932A7}"/>
-              </a:ext>
-            </a:extLst>
-          </p:cNvPr>
-          <p:cNvSpPr/>
-          <p:nvPr/>
-        </p:nvSpPr>
-        <p:spPr>
-          <a:xfrm>
-            <a:off x="429847" y="2454030"/>
-            <a:ext cx="1555260" cy="812800"/>
-          </a:xfrm>
-          <a:prstGeom prst="rect">
-            <a:avLst/>
-          </a:prstGeom>
-          <a:noFill/>
-          <a:ln>
-            <a:solidFill>
-              <a:schemeClr val="tx1"/>
-            </a:solidFill>
-          </a:ln>
-        </p:spPr>
-        <p:style>
-          <a:lnRef idx="2">
-            <a:schemeClr val="accent1">
-              <a:shade val="50000"/>
-            </a:schemeClr>
-          </a:lnRef>
-          <a:fillRef idx="1">
-            <a:schemeClr val="accent1"/>
-          </a:fillRef>
-          <a:effectRef idx="0">
-            <a:schemeClr val="accent1"/>
-          </a:effectRef>
-          <a:fontRef idx="minor">
-            <a:schemeClr val="lt1"/>
-          </a:fontRef>
-        </p:style>
-        <p:txBody>
-          <a:bodyPr rtlCol="0" anchor="ctr"/>
-          <a:lstStyle/>
-          <a:p>
-            <a:r>
-              <a:rPr lang="en-US" dirty="0">
-                <a:solidFill>
-                  <a:schemeClr val="tx1"/>
-                </a:solidFill>
-              </a:rPr>
-              <a:t>Stock(o) = 8</a:t>
-            </a:r>
-          </a:p>
-          <a:p>
-            <a:r>
-              <a:rPr lang="en-US" dirty="0">
-                <a:solidFill>
-                  <a:schemeClr val="tx1"/>
-                </a:solidFill>
-              </a:rPr>
-              <a:t>Stock(d) = 2</a:t>
-            </a:r>
-          </a:p>
-        </p:txBody>
-      </p:sp>
-      <p:sp>
-        <p:nvSpPr>
-          <p:cNvPr id="11" name="Rectangle 10">
-            <a:extLst>
-              <a:ext uri="{FF2B5EF4-FFF2-40B4-BE49-F238E27FC236}">
-                <a16:creationId xmlns:a16="http://schemas.microsoft.com/office/drawing/2014/main" id="{F1199F8D-99B5-4CB9-857E-348CF1B50EE7}"/>
-              </a:ext>
-            </a:extLst>
-          </p:cNvPr>
-          <p:cNvSpPr/>
-          <p:nvPr/>
-        </p:nvSpPr>
-        <p:spPr>
-          <a:xfrm>
-            <a:off x="8690707" y="2454030"/>
-            <a:ext cx="1555261" cy="812800"/>
-          </a:xfrm>
-          <a:prstGeom prst="rect">
-            <a:avLst/>
-          </a:prstGeom>
-          <a:noFill/>
-          <a:ln>
-            <a:solidFill>
-              <a:schemeClr val="tx1"/>
-            </a:solidFill>
-          </a:ln>
-        </p:spPr>
-        <p:style>
-          <a:lnRef idx="2">
-            <a:schemeClr val="accent1">
-              <a:shade val="50000"/>
-            </a:schemeClr>
-          </a:lnRef>
-          <a:fillRef idx="1">
-            <a:schemeClr val="accent1"/>
-          </a:fillRef>
-          <a:effectRef idx="0">
-            <a:schemeClr val="accent1"/>
-          </a:effectRef>
-          <a:fontRef idx="minor">
-            <a:schemeClr val="lt1"/>
-          </a:fontRef>
-        </p:style>
-        <p:txBody>
-          <a:bodyPr rtlCol="0" anchor="ctr"/>
-          <a:lstStyle/>
-          <a:p>
-            <a:r>
-              <a:rPr lang="en-US" dirty="0">
-                <a:solidFill>
-                  <a:schemeClr val="tx1"/>
-                </a:solidFill>
-              </a:rPr>
-              <a:t>Stock(o) = 10</a:t>
-            </a:r>
-          </a:p>
-          <a:p>
-            <a:r>
-              <a:rPr lang="en-US" dirty="0">
-                <a:solidFill>
-                  <a:schemeClr val="tx1"/>
-                </a:solidFill>
-              </a:rPr>
-              <a:t>Stock(d) = 2.5</a:t>
-            </a:r>
-          </a:p>
-        </p:txBody>
-      </p:sp>
-      <mc:AlternateContent xmlns:mc="http://schemas.openxmlformats.org/markup-compatibility/2006" xmlns:a14="http://schemas.microsoft.com/office/drawing/2010/main">
-        <mc:Choice Requires="a14">
+      <mc:AlternateContent xmlns:mc="http://schemas.openxmlformats.org/markup-compatibility/2006">
+        <mc:Choice xmlns:a14="http://schemas.microsoft.com/office/drawing/2010/main" Requires="a14">
           <p:sp>
             <p:nvSpPr>
               <p:cNvPr id="12" name="TextBox 11">
@@ -3854,237 +3500,7 @@
             </p:nvSpPr>
             <p:spPr>
               <a:xfrm>
-                <a:off x="965968" y="2084698"/>
-                <a:ext cx="483016" cy="369332"/>
-              </a:xfrm>
-              <a:prstGeom prst="rect">
-                <a:avLst/>
-              </a:prstGeom>
-              <a:noFill/>
-            </p:spPr>
-            <p:txBody>
-              <a:bodyPr wrap="none" rtlCol="0">
-                <a:spAutoFit/>
-              </a:bodyPr>
-              <a:lstStyle/>
-              <a:p>
-                <a:pPr/>
-                <a14:m>
-                  <m:oMathPara xmlns:m="http://schemas.openxmlformats.org/officeDocument/2006/math">
-                    <m:oMathParaPr>
-                      <m:jc m:val="centerGroup"/>
-                    </m:oMathParaPr>
-                    <m:oMath xmlns:m="http://schemas.openxmlformats.org/officeDocument/2006/math">
-                      <m:sSub>
-                        <m:sSubPr>
-                          <m:ctrlPr>
-                            <a:rPr lang="en-US" b="0" i="1" smtClean="0">
-                              <a:latin typeface="Cambria Math" panose="02040503050406030204" pitchFamily="18" charset="0"/>
-                            </a:rPr>
-                          </m:ctrlPr>
-                        </m:sSubPr>
-                        <m:e>
-                          <m:r>
-                            <a:rPr lang="en-US" b="0" i="1" smtClean="0">
-                              <a:latin typeface="Cambria Math" panose="02040503050406030204" pitchFamily="18" charset="0"/>
-                            </a:rPr>
-                            <m:t>𝐾</m:t>
-                          </m:r>
-                        </m:e>
-                        <m:sub>
-                          <m:r>
-                            <a:rPr lang="en-US" b="0" i="1" smtClean="0">
-                              <a:latin typeface="Cambria Math" panose="02040503050406030204" pitchFamily="18" charset="0"/>
-                            </a:rPr>
-                            <m:t>1</m:t>
-                          </m:r>
-                        </m:sub>
-                      </m:sSub>
-                    </m:oMath>
-                  </m:oMathPara>
-                </a14:m>
-                <a:endParaRPr lang="en-US" dirty="0"/>
-              </a:p>
-            </p:txBody>
-          </p:sp>
-        </mc:Choice>
-        <mc:Fallback xmlns="">
-          <p:sp>
-            <p:nvSpPr>
-              <p:cNvPr id="12" name="TextBox 11">
-                <a:extLst>
-                  <a:ext uri="{FF2B5EF4-FFF2-40B4-BE49-F238E27FC236}">
-                    <a16:creationId xmlns:a16="http://schemas.microsoft.com/office/drawing/2014/main" id="{A7791F1B-B7E1-4232-AAE9-02204F3A79BC}"/>
-                  </a:ext>
-                </a:extLst>
-              </p:cNvPr>
-              <p:cNvSpPr txBox="1">
-                <a:spLocks noRot="1" noChangeAspect="1" noMove="1" noResize="1" noEditPoints="1" noAdjustHandles="1" noChangeArrowheads="1" noChangeShapeType="1" noTextEdit="1"/>
-              </p:cNvSpPr>
-              <p:nvPr/>
-            </p:nvSpPr>
-            <p:spPr>
-              <a:xfrm>
-                <a:off x="965968" y="2084698"/>
-                <a:ext cx="483016" cy="369332"/>
-              </a:xfrm>
-              <a:prstGeom prst="rect">
-                <a:avLst/>
-              </a:prstGeom>
-              <a:blipFill>
-                <a:blip r:embed="rId2"/>
-                <a:stretch>
-                  <a:fillRect/>
-                </a:stretch>
-              </a:blipFill>
-            </p:spPr>
-            <p:txBody>
-              <a:bodyPr/>
-              <a:lstStyle/>
-              <a:p>
-                <a:r>
-                  <a:rPr lang="en-US">
-                    <a:noFill/>
-                  </a:rPr>
-                  <a:t> </a:t>
-                </a:r>
-              </a:p>
-            </p:txBody>
-          </p:sp>
-        </mc:Fallback>
-      </mc:AlternateContent>
-      <mc:AlternateContent xmlns:mc="http://schemas.openxmlformats.org/markup-compatibility/2006" xmlns:a14="http://schemas.microsoft.com/office/drawing/2010/main">
-        <mc:Choice Requires="a14">
-          <p:sp>
-            <p:nvSpPr>
-              <p:cNvPr id="13" name="TextBox 12">
-                <a:extLst>
-                  <a:ext uri="{FF2B5EF4-FFF2-40B4-BE49-F238E27FC236}">
-                    <a16:creationId xmlns:a16="http://schemas.microsoft.com/office/drawing/2014/main" id="{7846B3C2-550D-4378-98F5-76493B50710F}"/>
-                  </a:ext>
-                </a:extLst>
-              </p:cNvPr>
-              <p:cNvSpPr txBox="1"/>
-              <p:nvPr/>
-            </p:nvSpPr>
-            <p:spPr>
-              <a:xfrm>
-                <a:off x="9226829" y="2084698"/>
-                <a:ext cx="488339" cy="369332"/>
-              </a:xfrm>
-              <a:prstGeom prst="rect">
-                <a:avLst/>
-              </a:prstGeom>
-              <a:noFill/>
-            </p:spPr>
-            <p:txBody>
-              <a:bodyPr wrap="square" rtlCol="0">
-                <a:spAutoFit/>
-              </a:bodyPr>
-              <a:lstStyle/>
-              <a:p>
-                <a:pPr/>
-                <a14:m>
-                  <m:oMathPara xmlns:m="http://schemas.openxmlformats.org/officeDocument/2006/math">
-                    <m:oMathParaPr>
-                      <m:jc m:val="centerGroup"/>
-                    </m:oMathParaPr>
-                    <m:oMath xmlns:m="http://schemas.openxmlformats.org/officeDocument/2006/math">
-                      <m:sSub>
-                        <m:sSubPr>
-                          <m:ctrlPr>
-                            <a:rPr lang="en-US" b="0" i="1" smtClean="0">
-                              <a:latin typeface="Cambria Math" panose="02040503050406030204" pitchFamily="18" charset="0"/>
-                            </a:rPr>
-                          </m:ctrlPr>
-                        </m:sSubPr>
-                        <m:e>
-                          <m:r>
-                            <a:rPr lang="en-US" b="0" i="1" smtClean="0">
-                              <a:latin typeface="Cambria Math" panose="02040503050406030204" pitchFamily="18" charset="0"/>
-                            </a:rPr>
-                            <m:t>𝐾</m:t>
-                          </m:r>
-                        </m:e>
-                        <m:sub>
-                          <m:r>
-                            <a:rPr lang="en-US" b="0" i="1" smtClean="0">
-                              <a:latin typeface="Cambria Math" panose="02040503050406030204" pitchFamily="18" charset="0"/>
-                            </a:rPr>
-                            <m:t>2</m:t>
-                          </m:r>
-                        </m:sub>
-                      </m:sSub>
-                    </m:oMath>
-                  </m:oMathPara>
-                </a14:m>
-                <a:endParaRPr lang="en-US" dirty="0"/>
-              </a:p>
-            </p:txBody>
-          </p:sp>
-        </mc:Choice>
-        <mc:Fallback xmlns="">
-          <p:sp>
-            <p:nvSpPr>
-              <p:cNvPr id="13" name="TextBox 12">
-                <a:extLst>
-                  <a:ext uri="{FF2B5EF4-FFF2-40B4-BE49-F238E27FC236}">
-                    <a16:creationId xmlns:a16="http://schemas.microsoft.com/office/drawing/2014/main" id="{7846B3C2-550D-4378-98F5-76493B50710F}"/>
-                  </a:ext>
-                </a:extLst>
-              </p:cNvPr>
-              <p:cNvSpPr txBox="1">
-                <a:spLocks noRot="1" noChangeAspect="1" noMove="1" noResize="1" noEditPoints="1" noAdjustHandles="1" noChangeArrowheads="1" noChangeShapeType="1" noTextEdit="1"/>
-              </p:cNvSpPr>
-              <p:nvPr/>
-            </p:nvSpPr>
-            <p:spPr>
-              <a:xfrm>
-                <a:off x="9226829" y="2084698"/>
-                <a:ext cx="488339" cy="369332"/>
-              </a:xfrm>
-              <a:prstGeom prst="rect">
-                <a:avLst/>
-              </a:prstGeom>
-              <a:blipFill>
-                <a:blip r:embed="rId3"/>
-                <a:stretch>
-                  <a:fillRect/>
-                </a:stretch>
-              </a:blipFill>
-            </p:spPr>
-            <p:txBody>
-              <a:bodyPr/>
-              <a:lstStyle/>
-              <a:p>
-                <a:r>
-                  <a:rPr lang="en-US">
-                    <a:noFill/>
-                  </a:rPr>
-                  <a:t> </a:t>
-                </a:r>
-              </a:p>
-            </p:txBody>
-          </p:sp>
-        </mc:Fallback>
-      </mc:AlternateContent>
-      <mc:AlternateContent xmlns:mc="http://schemas.openxmlformats.org/markup-compatibility/2006">
-        <mc:Choice xmlns:a14="http://schemas.microsoft.com/office/drawing/2010/main" Requires="a14">
-          <p:sp>
-            <p:nvSpPr>
-              <p:cNvPr id="14" name="TextBox 13">
-                <a:extLst>
-                  <a:ext uri="{FF2B5EF4-FFF2-40B4-BE49-F238E27FC236}">
-                    <a16:creationId xmlns:a16="http://schemas.microsoft.com/office/drawing/2014/main" id="{71DBD08E-ACC3-47C3-9998-50FB9459A6BA}"/>
-                  </a:ext>
-                </a:extLst>
-              </p:cNvPr>
-              <p:cNvSpPr txBox="1"/>
-              <p:nvPr/>
-            </p:nvSpPr>
-            <p:spPr>
-              <a:xfrm>
-                <a:off x="5096399" y="2512534"/>
+                <a:off x="1172197" y="1969422"/>
                 <a:ext cx="483016" cy="369332"/>
               </a:xfrm>
               <a:prstGeom prst="rect">
@@ -4141,10 +3557,10 @@
         <mc:Fallback>
           <p:sp>
             <p:nvSpPr>
-              <p:cNvPr id="14" name="TextBox 13">
+              <p:cNvPr id="12" name="TextBox 11">
                 <a:extLst>
                   <a:ext uri="{FF2B5EF4-FFF2-40B4-BE49-F238E27FC236}">
-                    <a16:creationId xmlns:a16="http://schemas.microsoft.com/office/drawing/2014/main" id="{71DBD08E-ACC3-47C3-9998-50FB9459A6BA}"/>
+                    <a16:creationId xmlns:a16="http://schemas.microsoft.com/office/drawing/2014/main" id="{A7791F1B-B7E1-4232-AAE9-02204F3A79BC}"/>
                   </a:ext>
                 </a:extLst>
               </p:cNvPr>
@@ -4155,14 +3571,14 @@
             </p:nvSpPr>
             <p:spPr>
               <a:xfrm>
-                <a:off x="5096399" y="2512534"/>
+                <a:off x="1172197" y="1969422"/>
                 <a:ext cx="483016" cy="369332"/>
               </a:xfrm>
               <a:prstGeom prst="rect">
                 <a:avLst/>
               </a:prstGeom>
               <a:blipFill>
-                <a:blip r:embed="rId4"/>
+                <a:blip r:embed="rId2"/>
                 <a:stretch>
                   <a:fillRect/>
                 </a:stretch>
@@ -4183,14 +3599,14 @@
           </p:sp>
         </mc:Fallback>
       </mc:AlternateContent>
-      <mc:AlternateContent xmlns:mc="http://schemas.openxmlformats.org/markup-compatibility/2006" xmlns:a14="http://schemas.microsoft.com/office/drawing/2010/main">
-        <mc:Choice Requires="a14">
+      <mc:AlternateContent xmlns:mc="http://schemas.openxmlformats.org/markup-compatibility/2006">
+        <mc:Choice xmlns:a14="http://schemas.microsoft.com/office/drawing/2010/main" Requires="a14">
           <p:sp>
             <p:nvSpPr>
-              <p:cNvPr id="15" name="TextBox 14">
+              <p:cNvPr id="13" name="TextBox 12">
                 <a:extLst>
                   <a:ext uri="{FF2B5EF4-FFF2-40B4-BE49-F238E27FC236}">
-                    <a16:creationId xmlns:a16="http://schemas.microsoft.com/office/drawing/2014/main" id="{2EBA5FA0-E832-4EA0-9A48-5A92B24CC8B5}"/>
+                    <a16:creationId xmlns:a16="http://schemas.microsoft.com/office/drawing/2014/main" id="{7846B3C2-550D-4378-98F5-76493B50710F}"/>
                   </a:ext>
                 </a:extLst>
               </p:cNvPr>
@@ -4199,7 +3615,7 @@
             </p:nvSpPr>
             <p:spPr>
               <a:xfrm>
-                <a:off x="5096399" y="4265190"/>
+                <a:off x="8854444" y="1969422"/>
                 <a:ext cx="488339" cy="369332"/>
               </a:xfrm>
               <a:prstGeom prst="rect">
@@ -4253,7 +3669,2100 @@
             </p:txBody>
           </p:sp>
         </mc:Choice>
-        <mc:Fallback xmlns="">
+        <mc:Fallback>
+          <p:sp>
+            <p:nvSpPr>
+              <p:cNvPr id="13" name="TextBox 12">
+                <a:extLst>
+                  <a:ext uri="{FF2B5EF4-FFF2-40B4-BE49-F238E27FC236}">
+                    <a16:creationId xmlns:a16="http://schemas.microsoft.com/office/drawing/2014/main" id="{7846B3C2-550D-4378-98F5-76493B50710F}"/>
+                  </a:ext>
+                </a:extLst>
+              </p:cNvPr>
+              <p:cNvSpPr txBox="1">
+                <a:spLocks noRot="1" noChangeAspect="1" noMove="1" noResize="1" noEditPoints="1" noAdjustHandles="1" noChangeArrowheads="1" noChangeShapeType="1" noTextEdit="1"/>
+              </p:cNvSpPr>
+              <p:nvPr/>
+            </p:nvSpPr>
+            <p:spPr>
+              <a:xfrm>
+                <a:off x="8854444" y="1969422"/>
+                <a:ext cx="488339" cy="369332"/>
+              </a:xfrm>
+              <a:prstGeom prst="rect">
+                <a:avLst/>
+              </a:prstGeom>
+              <a:blipFill>
+                <a:blip r:embed="rId3"/>
+                <a:stretch>
+                  <a:fillRect/>
+                </a:stretch>
+              </a:blipFill>
+            </p:spPr>
+            <p:txBody>
+              <a:bodyPr/>
+              <a:lstStyle/>
+              <a:p>
+                <a:r>
+                  <a:rPr lang="en-US">
+                    <a:noFill/>
+                  </a:rPr>
+                  <a:t> </a:t>
+                </a:r>
+              </a:p>
+            </p:txBody>
+          </p:sp>
+        </mc:Fallback>
+      </mc:AlternateContent>
+      <mc:AlternateContent xmlns:mc="http://schemas.openxmlformats.org/markup-compatibility/2006">
+        <mc:Choice xmlns:a14="http://schemas.microsoft.com/office/drawing/2010/main" Requires="a14">
+          <p:sp>
+            <p:nvSpPr>
+              <p:cNvPr id="10" name="Rectangle 9">
+                <a:extLst>
+                  <a:ext uri="{FF2B5EF4-FFF2-40B4-BE49-F238E27FC236}">
+                    <a16:creationId xmlns:a16="http://schemas.microsoft.com/office/drawing/2014/main" id="{3C00A4A8-1391-4D95-BA94-E282132932A7}"/>
+                  </a:ext>
+                </a:extLst>
+              </p:cNvPr>
+              <p:cNvSpPr/>
+              <p:nvPr/>
+            </p:nvSpPr>
+            <p:spPr>
+              <a:xfrm>
+                <a:off x="429846" y="2338754"/>
+                <a:ext cx="1967719" cy="812800"/>
+              </a:xfrm>
+              <a:prstGeom prst="rect">
+                <a:avLst/>
+              </a:prstGeom>
+              <a:noFill/>
+              <a:ln>
+                <a:solidFill>
+                  <a:schemeClr val="tx1"/>
+                </a:solidFill>
+              </a:ln>
+            </p:spPr>
+            <p:style>
+              <a:lnRef idx="2">
+                <a:schemeClr val="accent1">
+                  <a:shade val="50000"/>
+                </a:schemeClr>
+              </a:lnRef>
+              <a:fillRef idx="1">
+                <a:schemeClr val="accent1"/>
+              </a:fillRef>
+              <a:effectRef idx="0">
+                <a:schemeClr val="accent1"/>
+              </a:effectRef>
+              <a:fontRef idx="minor">
+                <a:schemeClr val="lt1"/>
+              </a:fontRef>
+            </p:style>
+            <p:txBody>
+              <a:bodyPr rtlCol="0" anchor="ctr"/>
+              <a:lstStyle/>
+              <a:p>
+                <a14:m>
+                  <m:oMathPara xmlns:m="http://schemas.openxmlformats.org/officeDocument/2006/math">
+                    <m:oMathParaPr>
+                      <m:jc m:val="centerGroup"/>
+                    </m:oMathParaPr>
+                    <m:oMath xmlns:m="http://schemas.openxmlformats.org/officeDocument/2006/math">
+                      <m:r>
+                        <a:rPr lang="en-US" i="1" dirty="0" smtClean="0">
+                          <a:solidFill>
+                            <a:schemeClr val="tx1"/>
+                          </a:solidFill>
+                          <a:latin typeface="Cambria Math" panose="02040503050406030204" pitchFamily="18" charset="0"/>
+                        </a:rPr>
+                        <m:t>𝑆𝑡𝑜𝑐𝑘</m:t>
+                      </m:r>
+                      <m:r>
+                        <a:rPr lang="en-US" i="1" dirty="0" smtClean="0">
+                          <a:solidFill>
+                            <a:schemeClr val="tx1"/>
+                          </a:solidFill>
+                          <a:latin typeface="Cambria Math" panose="02040503050406030204" pitchFamily="18" charset="0"/>
+                        </a:rPr>
+                        <m:t>(</m:t>
+                      </m:r>
+                      <m:r>
+                        <a:rPr lang="en-US" i="1" dirty="0" smtClean="0">
+                          <a:solidFill>
+                            <a:schemeClr val="tx1"/>
+                          </a:solidFill>
+                          <a:latin typeface="Cambria Math" panose="02040503050406030204" pitchFamily="18" charset="0"/>
+                        </a:rPr>
+                        <m:t>𝑜</m:t>
+                      </m:r>
+                      <m:r>
+                        <a:rPr lang="en-US" i="1" dirty="0" smtClean="0">
+                          <a:solidFill>
+                            <a:schemeClr val="tx1"/>
+                          </a:solidFill>
+                          <a:latin typeface="Cambria Math" panose="02040503050406030204" pitchFamily="18" charset="0"/>
+                        </a:rPr>
+                        <m:t>) = 8</m:t>
+                      </m:r>
+                    </m:oMath>
+                  </m:oMathPara>
+                </a14:m>
+                <a:endParaRPr lang="en-US" dirty="0">
+                  <a:solidFill>
+                    <a:schemeClr val="tx1"/>
+                  </a:solidFill>
+                </a:endParaRPr>
+              </a:p>
+              <a:p>
+                <a14:m>
+                  <m:oMathPara xmlns:m="http://schemas.openxmlformats.org/officeDocument/2006/math">
+                    <m:oMathParaPr>
+                      <m:jc m:val="centerGroup"/>
+                    </m:oMathParaPr>
+                    <m:oMath xmlns:m="http://schemas.openxmlformats.org/officeDocument/2006/math">
+                      <m:r>
+                        <a:rPr lang="en-US" i="1" dirty="0" smtClean="0">
+                          <a:solidFill>
+                            <a:schemeClr val="tx1"/>
+                          </a:solidFill>
+                          <a:latin typeface="Cambria Math" panose="02040503050406030204" pitchFamily="18" charset="0"/>
+                        </a:rPr>
+                        <m:t>𝑆𝑡𝑜𝑐𝑘</m:t>
+                      </m:r>
+                      <m:r>
+                        <a:rPr lang="en-US" i="1" dirty="0" smtClean="0">
+                          <a:solidFill>
+                            <a:schemeClr val="tx1"/>
+                          </a:solidFill>
+                          <a:latin typeface="Cambria Math" panose="02040503050406030204" pitchFamily="18" charset="0"/>
+                        </a:rPr>
+                        <m:t>(</m:t>
+                      </m:r>
+                      <m:r>
+                        <a:rPr lang="en-US" i="1" dirty="0" smtClean="0">
+                          <a:solidFill>
+                            <a:schemeClr val="tx1"/>
+                          </a:solidFill>
+                          <a:latin typeface="Cambria Math" panose="02040503050406030204" pitchFamily="18" charset="0"/>
+                        </a:rPr>
+                        <m:t>𝑑</m:t>
+                      </m:r>
+                      <m:r>
+                        <a:rPr lang="en-US" i="1" dirty="0" smtClean="0">
+                          <a:solidFill>
+                            <a:schemeClr val="tx1"/>
+                          </a:solidFill>
+                          <a:latin typeface="Cambria Math" panose="02040503050406030204" pitchFamily="18" charset="0"/>
+                        </a:rPr>
+                        <m:t>) = 2</m:t>
+                      </m:r>
+                    </m:oMath>
+                  </m:oMathPara>
+                </a14:m>
+                <a:endParaRPr lang="en-US" dirty="0">
+                  <a:solidFill>
+                    <a:schemeClr val="tx1"/>
+                  </a:solidFill>
+                </a:endParaRPr>
+              </a:p>
+            </p:txBody>
+          </p:sp>
+        </mc:Choice>
+        <mc:Fallback>
+          <p:sp>
+            <p:nvSpPr>
+              <p:cNvPr id="10" name="Rectangle 9">
+                <a:extLst>
+                  <a:ext uri="{FF2B5EF4-FFF2-40B4-BE49-F238E27FC236}">
+                    <a16:creationId xmlns:a16="http://schemas.microsoft.com/office/drawing/2014/main" id="{3C00A4A8-1391-4D95-BA94-E282132932A7}"/>
+                  </a:ext>
+                </a:extLst>
+              </p:cNvPr>
+              <p:cNvSpPr>
+                <a:spLocks noRot="1" noChangeAspect="1" noMove="1" noResize="1" noEditPoints="1" noAdjustHandles="1" noChangeArrowheads="1" noChangeShapeType="1" noTextEdit="1"/>
+              </p:cNvSpPr>
+              <p:nvPr/>
+            </p:nvSpPr>
+            <p:spPr>
+              <a:xfrm>
+                <a:off x="429846" y="2338754"/>
+                <a:ext cx="1967719" cy="812800"/>
+              </a:xfrm>
+              <a:prstGeom prst="rect">
+                <a:avLst/>
+              </a:prstGeom>
+              <a:blipFill>
+                <a:blip r:embed="rId4"/>
+                <a:stretch>
+                  <a:fillRect/>
+                </a:stretch>
+              </a:blipFill>
+              <a:ln>
+                <a:solidFill>
+                  <a:schemeClr val="tx1"/>
+                </a:solidFill>
+              </a:ln>
+            </p:spPr>
+            <p:txBody>
+              <a:bodyPr/>
+              <a:lstStyle/>
+              <a:p>
+                <a:r>
+                  <a:rPr lang="en-US">
+                    <a:noFill/>
+                  </a:rPr>
+                  <a:t> </a:t>
+                </a:r>
+              </a:p>
+            </p:txBody>
+          </p:sp>
+        </mc:Fallback>
+      </mc:AlternateContent>
+      <p:grpSp>
+        <p:nvGrpSpPr>
+          <p:cNvPr id="2" name="Group 1">
+            <a:extLst>
+              <a:ext uri="{FF2B5EF4-FFF2-40B4-BE49-F238E27FC236}">
+                <a16:creationId xmlns:a16="http://schemas.microsoft.com/office/drawing/2014/main" id="{4456AB25-2159-413F-881D-C483A11A563E}"/>
+              </a:ext>
+            </a:extLst>
+          </p:cNvPr>
+          <p:cNvGrpSpPr/>
+          <p:nvPr/>
+        </p:nvGrpSpPr>
+        <p:grpSpPr>
+          <a:xfrm>
+            <a:off x="2770868" y="2397258"/>
+            <a:ext cx="4970584" cy="2121988"/>
+            <a:chOff x="2797908" y="2512534"/>
+            <a:chExt cx="4970584" cy="2121988"/>
+          </a:xfrm>
+        </p:grpSpPr>
+        <p:sp>
+          <p:nvSpPr>
+            <p:cNvPr id="4" name="Oval 3">
+              <a:extLst>
+                <a:ext uri="{FF2B5EF4-FFF2-40B4-BE49-F238E27FC236}">
+                  <a16:creationId xmlns:a16="http://schemas.microsoft.com/office/drawing/2014/main" id="{AD079CE0-B866-4600-B406-CF86C420358C}"/>
+                </a:ext>
+              </a:extLst>
+            </p:cNvPr>
+            <p:cNvSpPr/>
+            <p:nvPr/>
+          </p:nvSpPr>
+          <p:spPr>
+            <a:xfrm>
+              <a:off x="2797908" y="3048001"/>
+              <a:ext cx="1062892" cy="1062892"/>
+            </a:xfrm>
+            <a:prstGeom prst="ellipse">
+              <a:avLst/>
+            </a:prstGeom>
+            <a:solidFill>
+              <a:schemeClr val="accent4">
+                <a:lumMod val="40000"/>
+                <a:lumOff val="60000"/>
+              </a:schemeClr>
+            </a:solidFill>
+            <a:ln>
+              <a:solidFill>
+                <a:schemeClr val="accent4">
+                  <a:lumMod val="75000"/>
+                </a:schemeClr>
+              </a:solidFill>
+            </a:ln>
+          </p:spPr>
+          <p:style>
+            <a:lnRef idx="2">
+              <a:schemeClr val="accent1">
+                <a:shade val="50000"/>
+              </a:schemeClr>
+            </a:lnRef>
+            <a:fillRef idx="1">
+              <a:schemeClr val="accent1"/>
+            </a:fillRef>
+            <a:effectRef idx="0">
+              <a:schemeClr val="accent1"/>
+            </a:effectRef>
+            <a:fontRef idx="minor">
+              <a:schemeClr val="lt1"/>
+            </a:fontRef>
+          </p:style>
+          <p:txBody>
+            <a:bodyPr rtlCol="0" anchor="ctr"/>
+            <a:lstStyle/>
+            <a:p>
+              <a:pPr algn="ctr"/>
+              <a:r>
+                <a:rPr lang="en-US" sz="2400" dirty="0">
+                  <a:solidFill>
+                    <a:schemeClr val="tx1"/>
+                  </a:solidFill>
+                  <a:latin typeface="Cambria Math" panose="02040503050406030204" pitchFamily="18" charset="0"/>
+                  <a:ea typeface="Cambria Math" panose="02040503050406030204" pitchFamily="18" charset="0"/>
+                </a:rPr>
+                <a:t>o</a:t>
+              </a:r>
+            </a:p>
+          </p:txBody>
+        </p:sp>
+        <p:sp>
+          <p:nvSpPr>
+            <p:cNvPr id="5" name="Oval 4">
+              <a:extLst>
+                <a:ext uri="{FF2B5EF4-FFF2-40B4-BE49-F238E27FC236}">
+                  <a16:creationId xmlns:a16="http://schemas.microsoft.com/office/drawing/2014/main" id="{BBC99BD8-9DAE-43D2-AFDB-9DBBFB813BF9}"/>
+                </a:ext>
+              </a:extLst>
+            </p:cNvPr>
+            <p:cNvSpPr/>
+            <p:nvPr/>
+          </p:nvSpPr>
+          <p:spPr>
+            <a:xfrm>
+              <a:off x="6705600" y="3048001"/>
+              <a:ext cx="1062892" cy="1062892"/>
+            </a:xfrm>
+            <a:prstGeom prst="ellipse">
+              <a:avLst/>
+            </a:prstGeom>
+            <a:solidFill>
+              <a:srgbClr val="92D050"/>
+            </a:solidFill>
+            <a:ln>
+              <a:solidFill>
+                <a:srgbClr val="00B050"/>
+              </a:solidFill>
+            </a:ln>
+          </p:spPr>
+          <p:style>
+            <a:lnRef idx="2">
+              <a:schemeClr val="accent1">
+                <a:shade val="50000"/>
+              </a:schemeClr>
+            </a:lnRef>
+            <a:fillRef idx="1">
+              <a:schemeClr val="accent1"/>
+            </a:fillRef>
+            <a:effectRef idx="0">
+              <a:schemeClr val="accent1"/>
+            </a:effectRef>
+            <a:fontRef idx="minor">
+              <a:schemeClr val="lt1"/>
+            </a:fontRef>
+          </p:style>
+          <p:txBody>
+            <a:bodyPr rtlCol="0" anchor="ctr"/>
+            <a:lstStyle/>
+            <a:p>
+              <a:pPr algn="ctr"/>
+              <a:r>
+                <a:rPr lang="en-US" sz="2400" dirty="0">
+                  <a:solidFill>
+                    <a:schemeClr val="tx1"/>
+                  </a:solidFill>
+                  <a:latin typeface="Cambria Math" panose="02040503050406030204" pitchFamily="18" charset="0"/>
+                  <a:ea typeface="Cambria Math" panose="02040503050406030204" pitchFamily="18" charset="0"/>
+                </a:rPr>
+                <a:t>d</a:t>
+              </a:r>
+            </a:p>
+          </p:txBody>
+        </p:sp>
+        <p:cxnSp>
+          <p:nvCxnSpPr>
+            <p:cNvPr id="7" name="Connector: Curved 6">
+              <a:extLst>
+                <a:ext uri="{FF2B5EF4-FFF2-40B4-BE49-F238E27FC236}">
+                  <a16:creationId xmlns:a16="http://schemas.microsoft.com/office/drawing/2014/main" id="{E573193A-06D7-4CF6-85C7-C9161E89A189}"/>
+                </a:ext>
+              </a:extLst>
+            </p:cNvPr>
+            <p:cNvCxnSpPr>
+              <a:stCxn id="4" idx="7"/>
+              <a:endCxn id="5" idx="1"/>
+            </p:cNvCxnSpPr>
+            <p:nvPr/>
+          </p:nvCxnSpPr>
+          <p:spPr>
+            <a:xfrm rot="5400000" flipH="1" flipV="1">
+              <a:off x="5283200" y="1625601"/>
+              <a:ext cx="12700" cy="3156114"/>
+            </a:xfrm>
+            <a:prstGeom prst="curvedConnector3">
+              <a:avLst>
+                <a:gd name="adj1" fmla="val 3025646"/>
+              </a:avLst>
+            </a:prstGeom>
+            <a:ln>
+              <a:tailEnd type="triangle"/>
+            </a:ln>
+          </p:spPr>
+          <p:style>
+            <a:lnRef idx="1">
+              <a:schemeClr val="dk1"/>
+            </a:lnRef>
+            <a:fillRef idx="0">
+              <a:schemeClr val="dk1"/>
+            </a:fillRef>
+            <a:effectRef idx="0">
+              <a:schemeClr val="dk1"/>
+            </a:effectRef>
+            <a:fontRef idx="minor">
+              <a:schemeClr val="tx1"/>
+            </a:fontRef>
+          </p:style>
+        </p:cxnSp>
+        <p:cxnSp>
+          <p:nvCxnSpPr>
+            <p:cNvPr id="9" name="Connector: Curved 8">
+              <a:extLst>
+                <a:ext uri="{FF2B5EF4-FFF2-40B4-BE49-F238E27FC236}">
+                  <a16:creationId xmlns:a16="http://schemas.microsoft.com/office/drawing/2014/main" id="{2F29DAD1-4D45-479D-9F9E-7A9CDF2E10A1}"/>
+                </a:ext>
+              </a:extLst>
+            </p:cNvPr>
+            <p:cNvCxnSpPr>
+              <a:stCxn id="4" idx="5"/>
+              <a:endCxn id="5" idx="3"/>
+            </p:cNvCxnSpPr>
+            <p:nvPr/>
+          </p:nvCxnSpPr>
+          <p:spPr>
+            <a:xfrm rot="16200000" flipH="1">
+              <a:off x="5283200" y="2377179"/>
+              <a:ext cx="12700" cy="3156114"/>
+            </a:xfrm>
+            <a:prstGeom prst="curvedConnector3">
+              <a:avLst>
+                <a:gd name="adj1" fmla="val 3025646"/>
+              </a:avLst>
+            </a:prstGeom>
+            <a:ln>
+              <a:tailEnd type="triangle"/>
+            </a:ln>
+          </p:spPr>
+          <p:style>
+            <a:lnRef idx="1">
+              <a:schemeClr val="dk1"/>
+            </a:lnRef>
+            <a:fillRef idx="0">
+              <a:schemeClr val="dk1"/>
+            </a:fillRef>
+            <a:effectRef idx="0">
+              <a:schemeClr val="dk1"/>
+            </a:effectRef>
+            <a:fontRef idx="minor">
+              <a:schemeClr val="tx1"/>
+            </a:fontRef>
+          </p:style>
+        </p:cxnSp>
+        <mc:AlternateContent xmlns:mc="http://schemas.openxmlformats.org/markup-compatibility/2006">
+          <mc:Choice xmlns:a14="http://schemas.microsoft.com/office/drawing/2010/main" Requires="a14">
+            <p:sp>
+              <p:nvSpPr>
+                <p:cNvPr id="14" name="TextBox 13">
+                  <a:extLst>
+                    <a:ext uri="{FF2B5EF4-FFF2-40B4-BE49-F238E27FC236}">
+                      <a16:creationId xmlns:a16="http://schemas.microsoft.com/office/drawing/2014/main" id="{71DBD08E-ACC3-47C3-9998-50FB9459A6BA}"/>
+                    </a:ext>
+                  </a:extLst>
+                </p:cNvPr>
+                <p:cNvSpPr txBox="1"/>
+                <p:nvPr/>
+              </p:nvSpPr>
+              <p:spPr>
+                <a:xfrm>
+                  <a:off x="5096399" y="2512534"/>
+                  <a:ext cx="483016" cy="369332"/>
+                </a:xfrm>
+                <a:prstGeom prst="rect">
+                  <a:avLst/>
+                </a:prstGeom>
+                <a:noFill/>
+              </p:spPr>
+              <p:txBody>
+                <a:bodyPr wrap="none" rtlCol="0">
+                  <a:spAutoFit/>
+                </a:bodyPr>
+                <a:lstStyle/>
+                <a:p>
+                  <a:pPr/>
+                  <a14:m>
+                    <m:oMathPara xmlns:m="http://schemas.openxmlformats.org/officeDocument/2006/math">
+                      <m:oMathParaPr>
+                        <m:jc m:val="centerGroup"/>
+                      </m:oMathParaPr>
+                      <m:oMath xmlns:m="http://schemas.openxmlformats.org/officeDocument/2006/math">
+                        <m:sSub>
+                          <m:sSubPr>
+                            <m:ctrlPr>
+                              <a:rPr lang="en-US" b="0" i="1" smtClean="0">
+                                <a:latin typeface="Cambria Math" panose="02040503050406030204" pitchFamily="18" charset="0"/>
+                              </a:rPr>
+                            </m:ctrlPr>
+                          </m:sSubPr>
+                          <m:e>
+                            <m:r>
+                              <a:rPr lang="en-US" b="0" i="1" smtClean="0">
+                                <a:latin typeface="Cambria Math" panose="02040503050406030204" pitchFamily="18" charset="0"/>
+                              </a:rPr>
+                              <m:t>𝐾</m:t>
+                            </m:r>
+                          </m:e>
+                          <m:sub>
+                            <m:r>
+                              <a:rPr lang="en-US" b="0" i="1" smtClean="0">
+                                <a:latin typeface="Cambria Math" panose="02040503050406030204" pitchFamily="18" charset="0"/>
+                              </a:rPr>
+                              <m:t>1</m:t>
+                            </m:r>
+                          </m:sub>
+                        </m:sSub>
+                      </m:oMath>
+                    </m:oMathPara>
+                  </a14:m>
+                  <a:endParaRPr lang="en-US" dirty="0"/>
+                </a:p>
+              </p:txBody>
+            </p:sp>
+          </mc:Choice>
+          <mc:Fallback>
+            <p:sp>
+              <p:nvSpPr>
+                <p:cNvPr id="14" name="TextBox 13">
+                  <a:extLst>
+                    <a:ext uri="{FF2B5EF4-FFF2-40B4-BE49-F238E27FC236}">
+                      <a16:creationId xmlns:a16="http://schemas.microsoft.com/office/drawing/2014/main" id="{71DBD08E-ACC3-47C3-9998-50FB9459A6BA}"/>
+                    </a:ext>
+                  </a:extLst>
+                </p:cNvPr>
+                <p:cNvSpPr txBox="1">
+                  <a:spLocks noRot="1" noChangeAspect="1" noMove="1" noResize="1" noEditPoints="1" noAdjustHandles="1" noChangeArrowheads="1" noChangeShapeType="1" noTextEdit="1"/>
+                </p:cNvSpPr>
+                <p:nvPr/>
+              </p:nvSpPr>
+              <p:spPr>
+                <a:xfrm>
+                  <a:off x="5096399" y="2512534"/>
+                  <a:ext cx="483016" cy="369332"/>
+                </a:xfrm>
+                <a:prstGeom prst="rect">
+                  <a:avLst/>
+                </a:prstGeom>
+                <a:blipFill>
+                  <a:blip r:embed="rId5"/>
+                  <a:stretch>
+                    <a:fillRect/>
+                  </a:stretch>
+                </a:blipFill>
+              </p:spPr>
+              <p:txBody>
+                <a:bodyPr/>
+                <a:lstStyle/>
+                <a:p>
+                  <a:r>
+                    <a:rPr lang="en-US">
+                      <a:noFill/>
+                    </a:rPr>
+                    <a:t> </a:t>
+                  </a:r>
+                </a:p>
+              </p:txBody>
+            </p:sp>
+          </mc:Fallback>
+        </mc:AlternateContent>
+        <mc:AlternateContent xmlns:mc="http://schemas.openxmlformats.org/markup-compatibility/2006">
+          <mc:Choice xmlns:a14="http://schemas.microsoft.com/office/drawing/2010/main" Requires="a14">
+            <p:sp>
+              <p:nvSpPr>
+                <p:cNvPr id="15" name="TextBox 14">
+                  <a:extLst>
+                    <a:ext uri="{FF2B5EF4-FFF2-40B4-BE49-F238E27FC236}">
+                      <a16:creationId xmlns:a16="http://schemas.microsoft.com/office/drawing/2014/main" id="{2EBA5FA0-E832-4EA0-9A48-5A92B24CC8B5}"/>
+                    </a:ext>
+                  </a:extLst>
+                </p:cNvPr>
+                <p:cNvSpPr txBox="1"/>
+                <p:nvPr/>
+              </p:nvSpPr>
+              <p:spPr>
+                <a:xfrm>
+                  <a:off x="5096399" y="4265190"/>
+                  <a:ext cx="488339" cy="369332"/>
+                </a:xfrm>
+                <a:prstGeom prst="rect">
+                  <a:avLst/>
+                </a:prstGeom>
+                <a:noFill/>
+              </p:spPr>
+              <p:txBody>
+                <a:bodyPr wrap="square" rtlCol="0">
+                  <a:spAutoFit/>
+                </a:bodyPr>
+                <a:lstStyle/>
+                <a:p>
+                  <a:pPr/>
+                  <a14:m>
+                    <m:oMathPara xmlns:m="http://schemas.openxmlformats.org/officeDocument/2006/math">
+                      <m:oMathParaPr>
+                        <m:jc m:val="centerGroup"/>
+                      </m:oMathParaPr>
+                      <m:oMath xmlns:m="http://schemas.openxmlformats.org/officeDocument/2006/math">
+                        <m:sSub>
+                          <m:sSubPr>
+                            <m:ctrlPr>
+                              <a:rPr lang="en-US" b="0" i="1" smtClean="0">
+                                <a:latin typeface="Cambria Math" panose="02040503050406030204" pitchFamily="18" charset="0"/>
+                              </a:rPr>
+                            </m:ctrlPr>
+                          </m:sSubPr>
+                          <m:e>
+                            <m:r>
+                              <a:rPr lang="en-US" b="0" i="1" smtClean="0">
+                                <a:latin typeface="Cambria Math" panose="02040503050406030204" pitchFamily="18" charset="0"/>
+                              </a:rPr>
+                              <m:t>𝐾</m:t>
+                            </m:r>
+                          </m:e>
+                          <m:sub>
+                            <m:r>
+                              <a:rPr lang="en-US" b="0" i="1" smtClean="0">
+                                <a:latin typeface="Cambria Math" panose="02040503050406030204" pitchFamily="18" charset="0"/>
+                              </a:rPr>
+                              <m:t>2</m:t>
+                            </m:r>
+                          </m:sub>
+                        </m:sSub>
+                      </m:oMath>
+                    </m:oMathPara>
+                  </a14:m>
+                  <a:endParaRPr lang="en-US" dirty="0"/>
+                </a:p>
+              </p:txBody>
+            </p:sp>
+          </mc:Choice>
+          <mc:Fallback>
+            <p:sp>
+              <p:nvSpPr>
+                <p:cNvPr id="15" name="TextBox 14">
+                  <a:extLst>
+                    <a:ext uri="{FF2B5EF4-FFF2-40B4-BE49-F238E27FC236}">
+                      <a16:creationId xmlns:a16="http://schemas.microsoft.com/office/drawing/2014/main" id="{2EBA5FA0-E832-4EA0-9A48-5A92B24CC8B5}"/>
+                    </a:ext>
+                  </a:extLst>
+                </p:cNvPr>
+                <p:cNvSpPr txBox="1">
+                  <a:spLocks noRot="1" noChangeAspect="1" noMove="1" noResize="1" noEditPoints="1" noAdjustHandles="1" noChangeArrowheads="1" noChangeShapeType="1" noTextEdit="1"/>
+                </p:cNvSpPr>
+                <p:nvPr/>
+              </p:nvSpPr>
+              <p:spPr>
+                <a:xfrm>
+                  <a:off x="5096399" y="4265190"/>
+                  <a:ext cx="488339" cy="369332"/>
+                </a:xfrm>
+                <a:prstGeom prst="rect">
+                  <a:avLst/>
+                </a:prstGeom>
+                <a:blipFill>
+                  <a:blip r:embed="rId6"/>
+                  <a:stretch>
+                    <a:fillRect/>
+                  </a:stretch>
+                </a:blipFill>
+              </p:spPr>
+              <p:txBody>
+                <a:bodyPr/>
+                <a:lstStyle/>
+                <a:p>
+                  <a:r>
+                    <a:rPr lang="en-US">
+                      <a:noFill/>
+                    </a:rPr>
+                    <a:t> </a:t>
+                  </a:r>
+                </a:p>
+              </p:txBody>
+            </p:sp>
+          </mc:Fallback>
+        </mc:AlternateContent>
+        <mc:AlternateContent xmlns:mc="http://schemas.openxmlformats.org/markup-compatibility/2006">
+          <mc:Choice xmlns:a14="http://schemas.microsoft.com/office/drawing/2010/main" Requires="a14">
+            <p:sp>
+              <p:nvSpPr>
+                <p:cNvPr id="16" name="TextBox 15">
+                  <a:extLst>
+                    <a:ext uri="{FF2B5EF4-FFF2-40B4-BE49-F238E27FC236}">
+                      <a16:creationId xmlns:a16="http://schemas.microsoft.com/office/drawing/2014/main" id="{A4AC7A3E-5AD1-48C5-8D60-5A637E72F062}"/>
+                    </a:ext>
+                  </a:extLst>
+                </p:cNvPr>
+                <p:cNvSpPr txBox="1"/>
+                <p:nvPr/>
+              </p:nvSpPr>
+              <p:spPr>
+                <a:xfrm>
+                  <a:off x="4808232" y="2856986"/>
+                  <a:ext cx="962636" cy="369332"/>
+                </a:xfrm>
+                <a:prstGeom prst="rect">
+                  <a:avLst/>
+                </a:prstGeom>
+                <a:noFill/>
+              </p:spPr>
+              <p:txBody>
+                <a:bodyPr wrap="none" rtlCol="0">
+                  <a:spAutoFit/>
+                </a:bodyPr>
+                <a:lstStyle/>
+                <a:p>
+                  <a:pPr/>
+                  <a14:m>
+                    <m:oMathPara xmlns:m="http://schemas.openxmlformats.org/officeDocument/2006/math">
+                      <m:oMathParaPr>
+                        <m:jc m:val="centerGroup"/>
+                      </m:oMathParaPr>
+                      <m:oMath xmlns:m="http://schemas.openxmlformats.org/officeDocument/2006/math">
+                        <m:r>
+                          <a:rPr lang="en-US" b="0" i="1" smtClean="0">
+                            <a:latin typeface="Cambria Math" panose="02040503050406030204" pitchFamily="18" charset="0"/>
+                          </a:rPr>
+                          <m:t>𝑥</m:t>
+                        </m:r>
+                        <m:r>
+                          <a:rPr lang="en-US" b="0" i="1" smtClean="0">
+                            <a:latin typeface="Cambria Math" panose="02040503050406030204" pitchFamily="18" charset="0"/>
+                          </a:rPr>
+                          <m:t> </m:t>
+                        </m:r>
+                        <m:r>
+                          <a:rPr lang="en-US" b="0" i="1" smtClean="0">
+                            <a:latin typeface="Cambria Math" panose="02040503050406030204" pitchFamily="18" charset="0"/>
+                          </a:rPr>
+                          <m:t>𝑢𝑛𝑖𝑡𝑠</m:t>
+                        </m:r>
+                      </m:oMath>
+                    </m:oMathPara>
+                  </a14:m>
+                  <a:endParaRPr lang="en-US" dirty="0"/>
+                </a:p>
+              </p:txBody>
+            </p:sp>
+          </mc:Choice>
+          <mc:Fallback>
+            <p:sp>
+              <p:nvSpPr>
+                <p:cNvPr id="16" name="TextBox 15">
+                  <a:extLst>
+                    <a:ext uri="{FF2B5EF4-FFF2-40B4-BE49-F238E27FC236}">
+                      <a16:creationId xmlns:a16="http://schemas.microsoft.com/office/drawing/2014/main" id="{A4AC7A3E-5AD1-48C5-8D60-5A637E72F062}"/>
+                    </a:ext>
+                  </a:extLst>
+                </p:cNvPr>
+                <p:cNvSpPr txBox="1">
+                  <a:spLocks noRot="1" noChangeAspect="1" noMove="1" noResize="1" noEditPoints="1" noAdjustHandles="1" noChangeArrowheads="1" noChangeShapeType="1" noTextEdit="1"/>
+                </p:cNvSpPr>
+                <p:nvPr/>
+              </p:nvSpPr>
+              <p:spPr>
+                <a:xfrm>
+                  <a:off x="4808232" y="2856986"/>
+                  <a:ext cx="962636" cy="369332"/>
+                </a:xfrm>
+                <a:prstGeom prst="rect">
+                  <a:avLst/>
+                </a:prstGeom>
+                <a:blipFill>
+                  <a:blip r:embed="rId7"/>
+                  <a:stretch>
+                    <a:fillRect/>
+                  </a:stretch>
+                </a:blipFill>
+              </p:spPr>
+              <p:txBody>
+                <a:bodyPr/>
+                <a:lstStyle/>
+                <a:p>
+                  <a:r>
+                    <a:rPr lang="en-US">
+                      <a:noFill/>
+                    </a:rPr>
+                    <a:t> </a:t>
+                  </a:r>
+                </a:p>
+              </p:txBody>
+            </p:sp>
+          </mc:Fallback>
+        </mc:AlternateContent>
+        <mc:AlternateContent xmlns:mc="http://schemas.openxmlformats.org/markup-compatibility/2006">
+          <mc:Choice xmlns:a14="http://schemas.microsoft.com/office/drawing/2010/main" Requires="a14">
+            <p:sp>
+              <p:nvSpPr>
+                <p:cNvPr id="17" name="TextBox 16">
+                  <a:extLst>
+                    <a:ext uri="{FF2B5EF4-FFF2-40B4-BE49-F238E27FC236}">
+                      <a16:creationId xmlns:a16="http://schemas.microsoft.com/office/drawing/2014/main" id="{8E640CF1-1B27-4515-9118-FE1BC5146FC7}"/>
+                    </a:ext>
+                  </a:extLst>
+                </p:cNvPr>
+                <p:cNvSpPr txBox="1"/>
+                <p:nvPr/>
+              </p:nvSpPr>
+              <p:spPr>
+                <a:xfrm>
+                  <a:off x="4808232" y="3895858"/>
+                  <a:ext cx="966034" cy="369332"/>
+                </a:xfrm>
+                <a:prstGeom prst="rect">
+                  <a:avLst/>
+                </a:prstGeom>
+                <a:noFill/>
+              </p:spPr>
+              <p:txBody>
+                <a:bodyPr wrap="none" rtlCol="0">
+                  <a:spAutoFit/>
+                </a:bodyPr>
+                <a:lstStyle/>
+                <a:p>
+                  <a:pPr/>
+                  <a14:m>
+                    <m:oMathPara xmlns:m="http://schemas.openxmlformats.org/officeDocument/2006/math">
+                      <m:oMathParaPr>
+                        <m:jc m:val="centerGroup"/>
+                      </m:oMathParaPr>
+                      <m:oMath xmlns:m="http://schemas.openxmlformats.org/officeDocument/2006/math">
+                        <m:r>
+                          <a:rPr lang="en-US" b="0" i="1" smtClean="0">
+                            <a:latin typeface="Cambria Math" panose="02040503050406030204" pitchFamily="18" charset="0"/>
+                          </a:rPr>
+                          <m:t>𝑦</m:t>
+                        </m:r>
+                        <m:r>
+                          <a:rPr lang="en-US" b="0" i="1" smtClean="0">
+                            <a:latin typeface="Cambria Math" panose="02040503050406030204" pitchFamily="18" charset="0"/>
+                          </a:rPr>
+                          <m:t> </m:t>
+                        </m:r>
+                        <m:r>
+                          <a:rPr lang="en-US" b="0" i="1" smtClean="0">
+                            <a:latin typeface="Cambria Math" panose="02040503050406030204" pitchFamily="18" charset="0"/>
+                          </a:rPr>
+                          <m:t>𝑢𝑛𝑖𝑡𝑠</m:t>
+                        </m:r>
+                      </m:oMath>
+                    </m:oMathPara>
+                  </a14:m>
+                  <a:endParaRPr lang="en-US" dirty="0"/>
+                </a:p>
+              </p:txBody>
+            </p:sp>
+          </mc:Choice>
+          <mc:Fallback>
+            <p:sp>
+              <p:nvSpPr>
+                <p:cNvPr id="17" name="TextBox 16">
+                  <a:extLst>
+                    <a:ext uri="{FF2B5EF4-FFF2-40B4-BE49-F238E27FC236}">
+                      <a16:creationId xmlns:a16="http://schemas.microsoft.com/office/drawing/2014/main" id="{8E640CF1-1B27-4515-9118-FE1BC5146FC7}"/>
+                    </a:ext>
+                  </a:extLst>
+                </p:cNvPr>
+                <p:cNvSpPr txBox="1">
+                  <a:spLocks noRot="1" noChangeAspect="1" noMove="1" noResize="1" noEditPoints="1" noAdjustHandles="1" noChangeArrowheads="1" noChangeShapeType="1" noTextEdit="1"/>
+                </p:cNvSpPr>
+                <p:nvPr/>
+              </p:nvSpPr>
+              <p:spPr>
+                <a:xfrm>
+                  <a:off x="4808232" y="3895858"/>
+                  <a:ext cx="966034" cy="369332"/>
+                </a:xfrm>
+                <a:prstGeom prst="rect">
+                  <a:avLst/>
+                </a:prstGeom>
+                <a:blipFill>
+                  <a:blip r:embed="rId8"/>
+                  <a:stretch>
+                    <a:fillRect b="-6557"/>
+                  </a:stretch>
+                </a:blipFill>
+              </p:spPr>
+              <p:txBody>
+                <a:bodyPr/>
+                <a:lstStyle/>
+                <a:p>
+                  <a:r>
+                    <a:rPr lang="en-US">
+                      <a:noFill/>
+                    </a:rPr>
+                    <a:t> </a:t>
+                  </a:r>
+                </a:p>
+              </p:txBody>
+            </p:sp>
+          </mc:Fallback>
+        </mc:AlternateContent>
+      </p:grpSp>
+      <mc:AlternateContent xmlns:mc="http://schemas.openxmlformats.org/markup-compatibility/2006">
+        <mc:Choice xmlns:a14="http://schemas.microsoft.com/office/drawing/2010/main" Requires="a14">
+          <p:sp>
+            <p:nvSpPr>
+              <p:cNvPr id="18" name="Rectangle 17">
+                <a:extLst>
+                  <a:ext uri="{FF2B5EF4-FFF2-40B4-BE49-F238E27FC236}">
+                    <a16:creationId xmlns:a16="http://schemas.microsoft.com/office/drawing/2014/main" id="{013FCE35-51C0-4FA8-9801-FEEFBEDDA618}"/>
+                  </a:ext>
+                </a:extLst>
+              </p:cNvPr>
+              <p:cNvSpPr/>
+              <p:nvPr/>
+            </p:nvSpPr>
+            <p:spPr>
+              <a:xfrm>
+                <a:off x="8114755" y="2338754"/>
+                <a:ext cx="1967719" cy="812800"/>
+              </a:xfrm>
+              <a:prstGeom prst="rect">
+                <a:avLst/>
+              </a:prstGeom>
+              <a:noFill/>
+              <a:ln>
+                <a:solidFill>
+                  <a:schemeClr val="tx1"/>
+                </a:solidFill>
+              </a:ln>
+            </p:spPr>
+            <p:style>
+              <a:lnRef idx="2">
+                <a:schemeClr val="accent1">
+                  <a:shade val="50000"/>
+                </a:schemeClr>
+              </a:lnRef>
+              <a:fillRef idx="1">
+                <a:schemeClr val="accent1"/>
+              </a:fillRef>
+              <a:effectRef idx="0">
+                <a:schemeClr val="accent1"/>
+              </a:effectRef>
+              <a:fontRef idx="minor">
+                <a:schemeClr val="lt1"/>
+              </a:fontRef>
+            </p:style>
+            <p:txBody>
+              <a:bodyPr rtlCol="0" anchor="ctr"/>
+              <a:lstStyle/>
+              <a:p>
+                <a14:m>
+                  <m:oMathPara xmlns:m="http://schemas.openxmlformats.org/officeDocument/2006/math">
+                    <m:oMathParaPr>
+                      <m:jc m:val="centerGroup"/>
+                    </m:oMathParaPr>
+                    <m:oMath xmlns:m="http://schemas.openxmlformats.org/officeDocument/2006/math">
+                      <m:r>
+                        <a:rPr lang="en-US" i="1" dirty="0" smtClean="0">
+                          <a:solidFill>
+                            <a:schemeClr val="tx1"/>
+                          </a:solidFill>
+                          <a:latin typeface="Cambria Math" panose="02040503050406030204" pitchFamily="18" charset="0"/>
+                        </a:rPr>
+                        <m:t>𝑆𝑡𝑜𝑐𝑘</m:t>
+                      </m:r>
+                      <m:r>
+                        <a:rPr lang="en-US" i="1" dirty="0" smtClean="0">
+                          <a:solidFill>
+                            <a:schemeClr val="tx1"/>
+                          </a:solidFill>
+                          <a:latin typeface="Cambria Math" panose="02040503050406030204" pitchFamily="18" charset="0"/>
+                        </a:rPr>
+                        <m:t>(</m:t>
+                      </m:r>
+                      <m:r>
+                        <a:rPr lang="en-US" i="1" dirty="0" smtClean="0">
+                          <a:solidFill>
+                            <a:schemeClr val="tx1"/>
+                          </a:solidFill>
+                          <a:latin typeface="Cambria Math" panose="02040503050406030204" pitchFamily="18" charset="0"/>
+                        </a:rPr>
+                        <m:t>𝑜</m:t>
+                      </m:r>
+                      <m:r>
+                        <a:rPr lang="en-US" i="1" dirty="0" smtClean="0">
+                          <a:solidFill>
+                            <a:schemeClr val="tx1"/>
+                          </a:solidFill>
+                          <a:latin typeface="Cambria Math" panose="02040503050406030204" pitchFamily="18" charset="0"/>
+                        </a:rPr>
+                        <m:t>) =10</m:t>
+                      </m:r>
+                    </m:oMath>
+                  </m:oMathPara>
+                </a14:m>
+                <a:endParaRPr lang="en-US" dirty="0">
+                  <a:solidFill>
+                    <a:schemeClr val="tx1"/>
+                  </a:solidFill>
+                </a:endParaRPr>
+              </a:p>
+              <a:p>
+                <a14:m>
+                  <m:oMathPara xmlns:m="http://schemas.openxmlformats.org/officeDocument/2006/math">
+                    <m:oMathParaPr>
+                      <m:jc m:val="centerGroup"/>
+                    </m:oMathParaPr>
+                    <m:oMath xmlns:m="http://schemas.openxmlformats.org/officeDocument/2006/math">
+                      <m:r>
+                        <a:rPr lang="en-US" i="1" dirty="0" smtClean="0">
+                          <a:solidFill>
+                            <a:schemeClr val="tx1"/>
+                          </a:solidFill>
+                          <a:latin typeface="Cambria Math" panose="02040503050406030204" pitchFamily="18" charset="0"/>
+                        </a:rPr>
+                        <m:t>𝑆𝑡𝑜𝑐𝑘</m:t>
+                      </m:r>
+                      <m:r>
+                        <a:rPr lang="en-US" i="1" dirty="0" smtClean="0">
+                          <a:solidFill>
+                            <a:schemeClr val="tx1"/>
+                          </a:solidFill>
+                          <a:latin typeface="Cambria Math" panose="02040503050406030204" pitchFamily="18" charset="0"/>
+                        </a:rPr>
+                        <m:t>(</m:t>
+                      </m:r>
+                      <m:r>
+                        <a:rPr lang="en-US" i="1" dirty="0" smtClean="0">
+                          <a:solidFill>
+                            <a:schemeClr val="tx1"/>
+                          </a:solidFill>
+                          <a:latin typeface="Cambria Math" panose="02040503050406030204" pitchFamily="18" charset="0"/>
+                        </a:rPr>
+                        <m:t>𝑑</m:t>
+                      </m:r>
+                      <m:r>
+                        <a:rPr lang="en-US" i="1" dirty="0" smtClean="0">
+                          <a:solidFill>
+                            <a:schemeClr val="tx1"/>
+                          </a:solidFill>
+                          <a:latin typeface="Cambria Math" panose="02040503050406030204" pitchFamily="18" charset="0"/>
+                        </a:rPr>
+                        <m:t>) = 2.5</m:t>
+                      </m:r>
+                    </m:oMath>
+                  </m:oMathPara>
+                </a14:m>
+                <a:endParaRPr lang="en-US" dirty="0">
+                  <a:solidFill>
+                    <a:schemeClr val="tx1"/>
+                  </a:solidFill>
+                </a:endParaRPr>
+              </a:p>
+            </p:txBody>
+          </p:sp>
+        </mc:Choice>
+        <mc:Fallback>
+          <p:sp>
+            <p:nvSpPr>
+              <p:cNvPr id="18" name="Rectangle 17">
+                <a:extLst>
+                  <a:ext uri="{FF2B5EF4-FFF2-40B4-BE49-F238E27FC236}">
+                    <a16:creationId xmlns:a16="http://schemas.microsoft.com/office/drawing/2014/main" id="{013FCE35-51C0-4FA8-9801-FEEFBEDDA618}"/>
+                  </a:ext>
+                </a:extLst>
+              </p:cNvPr>
+              <p:cNvSpPr>
+                <a:spLocks noRot="1" noChangeAspect="1" noMove="1" noResize="1" noEditPoints="1" noAdjustHandles="1" noChangeArrowheads="1" noChangeShapeType="1" noTextEdit="1"/>
+              </p:cNvSpPr>
+              <p:nvPr/>
+            </p:nvSpPr>
+            <p:spPr>
+              <a:xfrm>
+                <a:off x="8114755" y="2338754"/>
+                <a:ext cx="1967719" cy="812800"/>
+              </a:xfrm>
+              <a:prstGeom prst="rect">
+                <a:avLst/>
+              </a:prstGeom>
+              <a:blipFill>
+                <a:blip r:embed="rId9"/>
+                <a:stretch>
+                  <a:fillRect/>
+                </a:stretch>
+              </a:blipFill>
+              <a:ln>
+                <a:solidFill>
+                  <a:schemeClr val="tx1"/>
+                </a:solidFill>
+              </a:ln>
+            </p:spPr>
+            <p:txBody>
+              <a:bodyPr/>
+              <a:lstStyle/>
+              <a:p>
+                <a:r>
+                  <a:rPr lang="en-US">
+                    <a:noFill/>
+                  </a:rPr>
+                  <a:t> </a:t>
+                </a:r>
+              </a:p>
+            </p:txBody>
+          </p:sp>
+        </mc:Fallback>
+      </mc:AlternateContent>
+    </p:spTree>
+    <p:extLst>
+      <p:ext uri="{BB962C8B-B14F-4D97-AF65-F5344CB8AC3E}">
+        <p14:creationId xmlns:p14="http://schemas.microsoft.com/office/powerpoint/2010/main" val="1556576448"/>
+      </p:ext>
+    </p:extLst>
+  </p:cSld>
+  <p:clrMapOvr>
+    <a:masterClrMapping/>
+  </p:clrMapOvr>
+</p:sld>
+</file>
+
+<file path=ppt/slides/slide2.xml><?xml version="1.0" encoding="utf-8"?>
+<p:sld xmlns:a="http://schemas.openxmlformats.org/drawingml/2006/main" xmlns:r="http://schemas.openxmlformats.org/officeDocument/2006/relationships" xmlns:p="http://schemas.openxmlformats.org/presentationml/2006/main">
+  <p:cSld>
+    <p:spTree>
+      <p:nvGrpSpPr>
+        <p:cNvPr id="1" name=""/>
+        <p:cNvGrpSpPr/>
+        <p:nvPr/>
+      </p:nvGrpSpPr>
+      <p:grpSpPr>
+        <a:xfrm>
+          <a:off x="0" y="0"/>
+          <a:ext cx="0" cy="0"/>
+          <a:chOff x="0" y="0"/>
+          <a:chExt cx="0" cy="0"/>
+        </a:xfrm>
+      </p:grpSpPr>
+      <mc:AlternateContent xmlns:mc="http://schemas.openxmlformats.org/markup-compatibility/2006">
+        <mc:Choice xmlns:a14="http://schemas.microsoft.com/office/drawing/2010/main" Requires="a14">
+          <p:sp>
+            <p:nvSpPr>
+              <p:cNvPr id="12" name="TextBox 11">
+                <a:extLst>
+                  <a:ext uri="{FF2B5EF4-FFF2-40B4-BE49-F238E27FC236}">
+                    <a16:creationId xmlns:a16="http://schemas.microsoft.com/office/drawing/2014/main" id="{A7791F1B-B7E1-4232-AAE9-02204F3A79BC}"/>
+                  </a:ext>
+                </a:extLst>
+              </p:cNvPr>
+              <p:cNvSpPr txBox="1"/>
+              <p:nvPr/>
+            </p:nvSpPr>
+            <p:spPr>
+              <a:xfrm>
+                <a:off x="1172197" y="1601122"/>
+                <a:ext cx="483016" cy="369332"/>
+              </a:xfrm>
+              <a:prstGeom prst="rect">
+                <a:avLst/>
+              </a:prstGeom>
+              <a:noFill/>
+            </p:spPr>
+            <p:txBody>
+              <a:bodyPr wrap="none" rtlCol="0">
+                <a:spAutoFit/>
+              </a:bodyPr>
+              <a:lstStyle/>
+              <a:p>
+                <a:pPr/>
+                <a14:m>
+                  <m:oMathPara xmlns:m="http://schemas.openxmlformats.org/officeDocument/2006/math">
+                    <m:oMathParaPr>
+                      <m:jc m:val="centerGroup"/>
+                    </m:oMathParaPr>
+                    <m:oMath xmlns:m="http://schemas.openxmlformats.org/officeDocument/2006/math">
+                      <m:sSub>
+                        <m:sSubPr>
+                          <m:ctrlPr>
+                            <a:rPr lang="en-US" b="0" i="1" smtClean="0">
+                              <a:latin typeface="Cambria Math" panose="02040503050406030204" pitchFamily="18" charset="0"/>
+                            </a:rPr>
+                          </m:ctrlPr>
+                        </m:sSubPr>
+                        <m:e>
+                          <m:r>
+                            <a:rPr lang="en-US" b="0" i="1" smtClean="0">
+                              <a:latin typeface="Cambria Math" panose="02040503050406030204" pitchFamily="18" charset="0"/>
+                            </a:rPr>
+                            <m:t>𝐾</m:t>
+                          </m:r>
+                        </m:e>
+                        <m:sub>
+                          <m:r>
+                            <a:rPr lang="en-US" b="0" i="1" smtClean="0">
+                              <a:latin typeface="Cambria Math" panose="02040503050406030204" pitchFamily="18" charset="0"/>
+                            </a:rPr>
+                            <m:t>1</m:t>
+                          </m:r>
+                        </m:sub>
+                      </m:sSub>
+                    </m:oMath>
+                  </m:oMathPara>
+                </a14:m>
+                <a:endParaRPr lang="en-US" dirty="0"/>
+              </a:p>
+            </p:txBody>
+          </p:sp>
+        </mc:Choice>
+        <mc:Fallback>
+          <p:sp>
+            <p:nvSpPr>
+              <p:cNvPr id="12" name="TextBox 11">
+                <a:extLst>
+                  <a:ext uri="{FF2B5EF4-FFF2-40B4-BE49-F238E27FC236}">
+                    <a16:creationId xmlns:a16="http://schemas.microsoft.com/office/drawing/2014/main" id="{A7791F1B-B7E1-4232-AAE9-02204F3A79BC}"/>
+                  </a:ext>
+                </a:extLst>
+              </p:cNvPr>
+              <p:cNvSpPr txBox="1">
+                <a:spLocks noRot="1" noChangeAspect="1" noMove="1" noResize="1" noEditPoints="1" noAdjustHandles="1" noChangeArrowheads="1" noChangeShapeType="1" noTextEdit="1"/>
+              </p:cNvSpPr>
+              <p:nvPr/>
+            </p:nvSpPr>
+            <p:spPr>
+              <a:xfrm>
+                <a:off x="1172197" y="1601122"/>
+                <a:ext cx="483016" cy="369332"/>
+              </a:xfrm>
+              <a:prstGeom prst="rect">
+                <a:avLst/>
+              </a:prstGeom>
+              <a:blipFill>
+                <a:blip r:embed="rId2"/>
+                <a:stretch>
+                  <a:fillRect/>
+                </a:stretch>
+              </a:blipFill>
+            </p:spPr>
+            <p:txBody>
+              <a:bodyPr/>
+              <a:lstStyle/>
+              <a:p>
+                <a:r>
+                  <a:rPr lang="en-US">
+                    <a:noFill/>
+                  </a:rPr>
+                  <a:t> </a:t>
+                </a:r>
+              </a:p>
+            </p:txBody>
+          </p:sp>
+        </mc:Fallback>
+      </mc:AlternateContent>
+      <mc:AlternateContent xmlns:mc="http://schemas.openxmlformats.org/markup-compatibility/2006">
+        <mc:Choice xmlns:a14="http://schemas.microsoft.com/office/drawing/2010/main" Requires="a14">
+          <p:sp>
+            <p:nvSpPr>
+              <p:cNvPr id="13" name="TextBox 12">
+                <a:extLst>
+                  <a:ext uri="{FF2B5EF4-FFF2-40B4-BE49-F238E27FC236}">
+                    <a16:creationId xmlns:a16="http://schemas.microsoft.com/office/drawing/2014/main" id="{7846B3C2-550D-4378-98F5-76493B50710F}"/>
+                  </a:ext>
+                </a:extLst>
+              </p:cNvPr>
+              <p:cNvSpPr txBox="1"/>
+              <p:nvPr/>
+            </p:nvSpPr>
+            <p:spPr>
+              <a:xfrm>
+                <a:off x="1169535" y="3525172"/>
+                <a:ext cx="488339" cy="369332"/>
+              </a:xfrm>
+              <a:prstGeom prst="rect">
+                <a:avLst/>
+              </a:prstGeom>
+              <a:noFill/>
+            </p:spPr>
+            <p:txBody>
+              <a:bodyPr wrap="square" rtlCol="0">
+                <a:spAutoFit/>
+              </a:bodyPr>
+              <a:lstStyle/>
+              <a:p>
+                <a:pPr/>
+                <a14:m>
+                  <m:oMathPara xmlns:m="http://schemas.openxmlformats.org/officeDocument/2006/math">
+                    <m:oMathParaPr>
+                      <m:jc m:val="centerGroup"/>
+                    </m:oMathParaPr>
+                    <m:oMath xmlns:m="http://schemas.openxmlformats.org/officeDocument/2006/math">
+                      <m:sSub>
+                        <m:sSubPr>
+                          <m:ctrlPr>
+                            <a:rPr lang="en-US" b="0" i="1" smtClean="0">
+                              <a:latin typeface="Cambria Math" panose="02040503050406030204" pitchFamily="18" charset="0"/>
+                            </a:rPr>
+                          </m:ctrlPr>
+                        </m:sSubPr>
+                        <m:e>
+                          <m:r>
+                            <a:rPr lang="en-US" b="0" i="1" smtClean="0">
+                              <a:latin typeface="Cambria Math" panose="02040503050406030204" pitchFamily="18" charset="0"/>
+                            </a:rPr>
+                            <m:t>𝐾</m:t>
+                          </m:r>
+                        </m:e>
+                        <m:sub>
+                          <m:r>
+                            <a:rPr lang="en-US" b="0" i="1" smtClean="0">
+                              <a:latin typeface="Cambria Math" panose="02040503050406030204" pitchFamily="18" charset="0"/>
+                            </a:rPr>
+                            <m:t>2</m:t>
+                          </m:r>
+                        </m:sub>
+                      </m:sSub>
+                    </m:oMath>
+                  </m:oMathPara>
+                </a14:m>
+                <a:endParaRPr lang="en-US" dirty="0"/>
+              </a:p>
+            </p:txBody>
+          </p:sp>
+        </mc:Choice>
+        <mc:Fallback>
+          <p:sp>
+            <p:nvSpPr>
+              <p:cNvPr id="13" name="TextBox 12">
+                <a:extLst>
+                  <a:ext uri="{FF2B5EF4-FFF2-40B4-BE49-F238E27FC236}">
+                    <a16:creationId xmlns:a16="http://schemas.microsoft.com/office/drawing/2014/main" id="{7846B3C2-550D-4378-98F5-76493B50710F}"/>
+                  </a:ext>
+                </a:extLst>
+              </p:cNvPr>
+              <p:cNvSpPr txBox="1">
+                <a:spLocks noRot="1" noChangeAspect="1" noMove="1" noResize="1" noEditPoints="1" noAdjustHandles="1" noChangeArrowheads="1" noChangeShapeType="1" noTextEdit="1"/>
+              </p:cNvSpPr>
+              <p:nvPr/>
+            </p:nvSpPr>
+            <p:spPr>
+              <a:xfrm>
+                <a:off x="1169535" y="3525172"/>
+                <a:ext cx="488339" cy="369332"/>
+              </a:xfrm>
+              <a:prstGeom prst="rect">
+                <a:avLst/>
+              </a:prstGeom>
+              <a:blipFill>
+                <a:blip r:embed="rId3"/>
+                <a:stretch>
+                  <a:fillRect/>
+                </a:stretch>
+              </a:blipFill>
+            </p:spPr>
+            <p:txBody>
+              <a:bodyPr/>
+              <a:lstStyle/>
+              <a:p>
+                <a:r>
+                  <a:rPr lang="en-US">
+                    <a:noFill/>
+                  </a:rPr>
+                  <a:t> </a:t>
+                </a:r>
+              </a:p>
+            </p:txBody>
+          </p:sp>
+        </mc:Fallback>
+      </mc:AlternateContent>
+      <mc:AlternateContent xmlns:mc="http://schemas.openxmlformats.org/markup-compatibility/2006">
+        <mc:Choice xmlns:a14="http://schemas.microsoft.com/office/drawing/2010/main" Requires="a14">
+          <p:sp>
+            <p:nvSpPr>
+              <p:cNvPr id="10" name="Rectangle 9">
+                <a:extLst>
+                  <a:ext uri="{FF2B5EF4-FFF2-40B4-BE49-F238E27FC236}">
+                    <a16:creationId xmlns:a16="http://schemas.microsoft.com/office/drawing/2014/main" id="{3C00A4A8-1391-4D95-BA94-E282132932A7}"/>
+                  </a:ext>
+                </a:extLst>
+              </p:cNvPr>
+              <p:cNvSpPr/>
+              <p:nvPr/>
+            </p:nvSpPr>
+            <p:spPr>
+              <a:xfrm>
+                <a:off x="429846" y="1970454"/>
+                <a:ext cx="1967719" cy="1090246"/>
+              </a:xfrm>
+              <a:prstGeom prst="rect">
+                <a:avLst/>
+              </a:prstGeom>
+              <a:noFill/>
+              <a:ln>
+                <a:solidFill>
+                  <a:schemeClr val="tx1"/>
+                </a:solidFill>
+              </a:ln>
+            </p:spPr>
+            <p:style>
+              <a:lnRef idx="2">
+                <a:schemeClr val="accent1">
+                  <a:shade val="50000"/>
+                </a:schemeClr>
+              </a:lnRef>
+              <a:fillRef idx="1">
+                <a:schemeClr val="accent1"/>
+              </a:fillRef>
+              <a:effectRef idx="0">
+                <a:schemeClr val="accent1"/>
+              </a:effectRef>
+              <a:fontRef idx="minor">
+                <a:schemeClr val="lt1"/>
+              </a:fontRef>
+            </p:style>
+            <p:txBody>
+              <a:bodyPr rtlCol="0" anchor="ctr"/>
+              <a:lstStyle/>
+              <a:p>
+                <a14:m>
+                  <m:oMathPara xmlns:m="http://schemas.openxmlformats.org/officeDocument/2006/math">
+                    <m:oMathParaPr>
+                      <m:jc m:val="centerGroup"/>
+                    </m:oMathParaPr>
+                    <m:oMath xmlns:m="http://schemas.openxmlformats.org/officeDocument/2006/math">
+                      <m:r>
+                        <a:rPr lang="en-US" i="1" dirty="0" smtClean="0">
+                          <a:solidFill>
+                            <a:schemeClr val="tx1"/>
+                          </a:solidFill>
+                          <a:latin typeface="Cambria Math" panose="02040503050406030204" pitchFamily="18" charset="0"/>
+                        </a:rPr>
+                        <m:t>𝑆𝑡𝑜𝑐𝑘</m:t>
+                      </m:r>
+                      <m:r>
+                        <a:rPr lang="en-US" i="1" dirty="0" smtClean="0">
+                          <a:solidFill>
+                            <a:schemeClr val="tx1"/>
+                          </a:solidFill>
+                          <a:latin typeface="Cambria Math" panose="02040503050406030204" pitchFamily="18" charset="0"/>
+                        </a:rPr>
+                        <m:t>(</m:t>
+                      </m:r>
+                      <m:r>
+                        <a:rPr lang="en-US" i="1" dirty="0" smtClean="0">
+                          <a:solidFill>
+                            <a:schemeClr val="tx1"/>
+                          </a:solidFill>
+                          <a:latin typeface="Cambria Math" panose="02040503050406030204" pitchFamily="18" charset="0"/>
+                        </a:rPr>
+                        <m:t>𝑜</m:t>
+                      </m:r>
+                      <m:r>
+                        <a:rPr lang="en-US" i="1" dirty="0" smtClean="0">
+                          <a:solidFill>
+                            <a:schemeClr val="tx1"/>
+                          </a:solidFill>
+                          <a:latin typeface="Cambria Math" panose="02040503050406030204" pitchFamily="18" charset="0"/>
+                        </a:rPr>
+                        <m:t>) = 8</m:t>
+                      </m:r>
+                    </m:oMath>
+                  </m:oMathPara>
+                </a14:m>
+                <a:endParaRPr lang="en-US" dirty="0">
+                  <a:solidFill>
+                    <a:schemeClr val="tx1"/>
+                  </a:solidFill>
+                </a:endParaRPr>
+              </a:p>
+              <a:p>
+                <a14:m>
+                  <m:oMathPara xmlns:m="http://schemas.openxmlformats.org/officeDocument/2006/math">
+                    <m:oMathParaPr>
+                      <m:jc m:val="centerGroup"/>
+                    </m:oMathParaPr>
+                    <m:oMath xmlns:m="http://schemas.openxmlformats.org/officeDocument/2006/math">
+                      <m:r>
+                        <a:rPr lang="en-US" i="1" dirty="0" smtClean="0">
+                          <a:solidFill>
+                            <a:schemeClr val="tx1"/>
+                          </a:solidFill>
+                          <a:latin typeface="Cambria Math" panose="02040503050406030204" pitchFamily="18" charset="0"/>
+                        </a:rPr>
+                        <m:t>𝑆𝑡𝑜𝑐𝑘</m:t>
+                      </m:r>
+                      <m:r>
+                        <a:rPr lang="en-US" i="1" dirty="0" smtClean="0">
+                          <a:solidFill>
+                            <a:schemeClr val="tx1"/>
+                          </a:solidFill>
+                          <a:latin typeface="Cambria Math" panose="02040503050406030204" pitchFamily="18" charset="0"/>
+                        </a:rPr>
+                        <m:t>(</m:t>
+                      </m:r>
+                      <m:r>
+                        <a:rPr lang="en-US" i="1" dirty="0" smtClean="0">
+                          <a:solidFill>
+                            <a:schemeClr val="tx1"/>
+                          </a:solidFill>
+                          <a:latin typeface="Cambria Math" panose="02040503050406030204" pitchFamily="18" charset="0"/>
+                        </a:rPr>
+                        <m:t>𝑑</m:t>
+                      </m:r>
+                      <m:r>
+                        <a:rPr lang="en-US" i="1" dirty="0" smtClean="0">
+                          <a:solidFill>
+                            <a:schemeClr val="tx1"/>
+                          </a:solidFill>
+                          <a:latin typeface="Cambria Math" panose="02040503050406030204" pitchFamily="18" charset="0"/>
+                        </a:rPr>
+                        <m:t>) = 2</m:t>
+                      </m:r>
+                    </m:oMath>
+                  </m:oMathPara>
+                </a14:m>
+                <a:endParaRPr lang="en-US" dirty="0">
+                  <a:solidFill>
+                    <a:schemeClr val="tx1"/>
+                  </a:solidFill>
+                </a:endParaRPr>
+              </a:p>
+              <a:p>
+                <a14:m>
+                  <m:oMathPara xmlns:m="http://schemas.openxmlformats.org/officeDocument/2006/math">
+                    <m:oMathParaPr>
+                      <m:jc m:val="centerGroup"/>
+                    </m:oMathParaPr>
+                    <m:oMath xmlns:m="http://schemas.openxmlformats.org/officeDocument/2006/math">
+                      <m:r>
+                        <a:rPr lang="en-US" b="0" i="1" smtClean="0">
+                          <a:solidFill>
+                            <a:schemeClr val="tx1"/>
+                          </a:solidFill>
+                          <a:latin typeface="Cambria Math" panose="02040503050406030204" pitchFamily="18" charset="0"/>
+                        </a:rPr>
+                        <m:t>𝑆𝑡𝑜𝑐𝑘</m:t>
+                      </m:r>
+                      <m:d>
+                        <m:dPr>
+                          <m:ctrlPr>
+                            <a:rPr lang="en-US" b="0" i="1" smtClean="0">
+                              <a:solidFill>
+                                <a:schemeClr val="tx1"/>
+                              </a:solidFill>
+                              <a:latin typeface="Cambria Math" panose="02040503050406030204" pitchFamily="18" charset="0"/>
+                            </a:rPr>
+                          </m:ctrlPr>
+                        </m:dPr>
+                        <m:e>
+                          <m:r>
+                            <a:rPr lang="en-US" b="0" i="1" smtClean="0">
+                              <a:solidFill>
+                                <a:schemeClr val="tx1"/>
+                              </a:solidFill>
+                              <a:latin typeface="Cambria Math" panose="02040503050406030204" pitchFamily="18" charset="0"/>
+                            </a:rPr>
+                            <m:t>𝑚</m:t>
+                          </m:r>
+                        </m:e>
+                      </m:d>
+                      <m:r>
+                        <a:rPr lang="en-US" b="0" i="1" smtClean="0">
+                          <a:solidFill>
+                            <a:schemeClr val="tx1"/>
+                          </a:solidFill>
+                          <a:latin typeface="Cambria Math" panose="02040503050406030204" pitchFamily="18" charset="0"/>
+                        </a:rPr>
+                        <m:t>=4</m:t>
+                      </m:r>
+                    </m:oMath>
+                  </m:oMathPara>
+                </a14:m>
+                <a:endParaRPr lang="en-US" dirty="0">
+                  <a:solidFill>
+                    <a:schemeClr val="tx1"/>
+                  </a:solidFill>
+                </a:endParaRPr>
+              </a:p>
+            </p:txBody>
+          </p:sp>
+        </mc:Choice>
+        <mc:Fallback>
+          <p:sp>
+            <p:nvSpPr>
+              <p:cNvPr id="10" name="Rectangle 9">
+                <a:extLst>
+                  <a:ext uri="{FF2B5EF4-FFF2-40B4-BE49-F238E27FC236}">
+                    <a16:creationId xmlns:a16="http://schemas.microsoft.com/office/drawing/2014/main" id="{3C00A4A8-1391-4D95-BA94-E282132932A7}"/>
+                  </a:ext>
+                </a:extLst>
+              </p:cNvPr>
+              <p:cNvSpPr>
+                <a:spLocks noRot="1" noChangeAspect="1" noMove="1" noResize="1" noEditPoints="1" noAdjustHandles="1" noChangeArrowheads="1" noChangeShapeType="1" noTextEdit="1"/>
+              </p:cNvSpPr>
+              <p:nvPr/>
+            </p:nvSpPr>
+            <p:spPr>
+              <a:xfrm>
+                <a:off x="429846" y="1970454"/>
+                <a:ext cx="1967719" cy="1090246"/>
+              </a:xfrm>
+              <a:prstGeom prst="rect">
+                <a:avLst/>
+              </a:prstGeom>
+              <a:blipFill>
+                <a:blip r:embed="rId4"/>
+                <a:stretch>
+                  <a:fillRect/>
+                </a:stretch>
+              </a:blipFill>
+              <a:ln>
+                <a:solidFill>
+                  <a:schemeClr val="tx1"/>
+                </a:solidFill>
+              </a:ln>
+            </p:spPr>
+            <p:txBody>
+              <a:bodyPr/>
+              <a:lstStyle/>
+              <a:p>
+                <a:r>
+                  <a:rPr lang="en-US">
+                    <a:noFill/>
+                  </a:rPr>
+                  <a:t> </a:t>
+                </a:r>
+              </a:p>
+            </p:txBody>
+          </p:sp>
+        </mc:Fallback>
+      </mc:AlternateContent>
+      <p:sp>
+        <p:nvSpPr>
+          <p:cNvPr id="4" name="Oval 3">
+            <a:extLst>
+              <a:ext uri="{FF2B5EF4-FFF2-40B4-BE49-F238E27FC236}">
+                <a16:creationId xmlns:a16="http://schemas.microsoft.com/office/drawing/2014/main" id="{AD079CE0-B866-4600-B406-CF86C420358C}"/>
+              </a:ext>
+            </a:extLst>
+          </p:cNvPr>
+          <p:cNvSpPr/>
+          <p:nvPr/>
+        </p:nvSpPr>
+        <p:spPr>
+          <a:xfrm>
+            <a:off x="2770868" y="2932725"/>
+            <a:ext cx="1062892" cy="1062892"/>
+          </a:xfrm>
+          <a:prstGeom prst="ellipse">
+            <a:avLst/>
+          </a:prstGeom>
+          <a:solidFill>
+            <a:schemeClr val="accent4">
+              <a:lumMod val="40000"/>
+              <a:lumOff val="60000"/>
+            </a:schemeClr>
+          </a:solidFill>
+          <a:ln>
+            <a:solidFill>
+              <a:schemeClr val="accent4">
+                <a:lumMod val="75000"/>
+              </a:schemeClr>
+            </a:solidFill>
+          </a:ln>
+        </p:spPr>
+        <p:style>
+          <a:lnRef idx="2">
+            <a:schemeClr val="accent1">
+              <a:shade val="50000"/>
+            </a:schemeClr>
+          </a:lnRef>
+          <a:fillRef idx="1">
+            <a:schemeClr val="accent1"/>
+          </a:fillRef>
+          <a:effectRef idx="0">
+            <a:schemeClr val="accent1"/>
+          </a:effectRef>
+          <a:fontRef idx="minor">
+            <a:schemeClr val="lt1"/>
+          </a:fontRef>
+        </p:style>
+        <p:txBody>
+          <a:bodyPr rtlCol="0" anchor="ctr"/>
+          <a:lstStyle/>
+          <a:p>
+            <a:pPr algn="ctr"/>
+            <a:r>
+              <a:rPr lang="en-US" sz="2400" dirty="0">
+                <a:solidFill>
+                  <a:schemeClr val="tx1"/>
+                </a:solidFill>
+                <a:latin typeface="Cambria Math" panose="02040503050406030204" pitchFamily="18" charset="0"/>
+                <a:ea typeface="Cambria Math" panose="02040503050406030204" pitchFamily="18" charset="0"/>
+              </a:rPr>
+              <a:t>o</a:t>
+            </a:r>
+          </a:p>
+        </p:txBody>
+      </p:sp>
+      <p:sp>
+        <p:nvSpPr>
+          <p:cNvPr id="5" name="Oval 4">
+            <a:extLst>
+              <a:ext uri="{FF2B5EF4-FFF2-40B4-BE49-F238E27FC236}">
+                <a16:creationId xmlns:a16="http://schemas.microsoft.com/office/drawing/2014/main" id="{BBC99BD8-9DAE-43D2-AFDB-9DBBFB813BF9}"/>
+              </a:ext>
+            </a:extLst>
+          </p:cNvPr>
+          <p:cNvSpPr/>
+          <p:nvPr/>
+        </p:nvSpPr>
+        <p:spPr>
+          <a:xfrm>
+            <a:off x="9878960" y="2932725"/>
+            <a:ext cx="1062892" cy="1062892"/>
+          </a:xfrm>
+          <a:prstGeom prst="ellipse">
+            <a:avLst/>
+          </a:prstGeom>
+          <a:solidFill>
+            <a:srgbClr val="92D050"/>
+          </a:solidFill>
+          <a:ln>
+            <a:solidFill>
+              <a:srgbClr val="00B050"/>
+            </a:solidFill>
+          </a:ln>
+        </p:spPr>
+        <p:style>
+          <a:lnRef idx="2">
+            <a:schemeClr val="accent1">
+              <a:shade val="50000"/>
+            </a:schemeClr>
+          </a:lnRef>
+          <a:fillRef idx="1">
+            <a:schemeClr val="accent1"/>
+          </a:fillRef>
+          <a:effectRef idx="0">
+            <a:schemeClr val="accent1"/>
+          </a:effectRef>
+          <a:fontRef idx="minor">
+            <a:schemeClr val="lt1"/>
+          </a:fontRef>
+        </p:style>
+        <p:txBody>
+          <a:bodyPr rtlCol="0" anchor="ctr"/>
+          <a:lstStyle/>
+          <a:p>
+            <a:pPr algn="ctr"/>
+            <a:r>
+              <a:rPr lang="en-US" sz="2400" dirty="0">
+                <a:solidFill>
+                  <a:schemeClr val="tx1"/>
+                </a:solidFill>
+                <a:latin typeface="Cambria Math" panose="02040503050406030204" pitchFamily="18" charset="0"/>
+                <a:ea typeface="Cambria Math" panose="02040503050406030204" pitchFamily="18" charset="0"/>
+              </a:rPr>
+              <a:t>d</a:t>
+            </a:r>
+          </a:p>
+        </p:txBody>
+      </p:sp>
+      <p:cxnSp>
+        <p:nvCxnSpPr>
+          <p:cNvPr id="7" name="Connector: Curved 6">
+            <a:extLst>
+              <a:ext uri="{FF2B5EF4-FFF2-40B4-BE49-F238E27FC236}">
+                <a16:creationId xmlns:a16="http://schemas.microsoft.com/office/drawing/2014/main" id="{E573193A-06D7-4CF6-85C7-C9161E89A189}"/>
+              </a:ext>
+            </a:extLst>
+          </p:cNvPr>
+          <p:cNvCxnSpPr>
+            <a:cxnSpLocks/>
+            <a:stCxn id="4" idx="0"/>
+            <a:endCxn id="5" idx="0"/>
+          </p:cNvCxnSpPr>
+          <p:nvPr/>
+        </p:nvCxnSpPr>
+        <p:spPr>
+          <a:xfrm rot="5400000" flipH="1" flipV="1">
+            <a:off x="6856360" y="-621321"/>
+            <a:ext cx="12700" cy="7108092"/>
+          </a:xfrm>
+          <a:prstGeom prst="curvedConnector3">
+            <a:avLst>
+              <a:gd name="adj1" fmla="val 9450000"/>
+            </a:avLst>
+          </a:prstGeom>
+          <a:ln>
+            <a:tailEnd type="triangle"/>
+          </a:ln>
+        </p:spPr>
+        <p:style>
+          <a:lnRef idx="1">
+            <a:schemeClr val="dk1"/>
+          </a:lnRef>
+          <a:fillRef idx="0">
+            <a:schemeClr val="dk1"/>
+          </a:fillRef>
+          <a:effectRef idx="0">
+            <a:schemeClr val="dk1"/>
+          </a:effectRef>
+          <a:fontRef idx="minor">
+            <a:schemeClr val="tx1"/>
+          </a:fontRef>
+        </p:style>
+      </p:cxnSp>
+      <p:cxnSp>
+        <p:nvCxnSpPr>
+          <p:cNvPr id="9" name="Connector: Curved 8">
+            <a:extLst>
+              <a:ext uri="{FF2B5EF4-FFF2-40B4-BE49-F238E27FC236}">
+                <a16:creationId xmlns:a16="http://schemas.microsoft.com/office/drawing/2014/main" id="{2F29DAD1-4D45-479D-9F9E-7A9CDF2E10A1}"/>
+              </a:ext>
+            </a:extLst>
+          </p:cNvPr>
+          <p:cNvCxnSpPr>
+            <a:cxnSpLocks/>
+            <a:stCxn id="4" idx="4"/>
+            <a:endCxn id="5" idx="4"/>
+          </p:cNvCxnSpPr>
+          <p:nvPr/>
+        </p:nvCxnSpPr>
+        <p:spPr>
+          <a:xfrm rot="16200000" flipH="1">
+            <a:off x="6856360" y="441571"/>
+            <a:ext cx="12700" cy="7108092"/>
+          </a:xfrm>
+          <a:prstGeom prst="curvedConnector3">
+            <a:avLst>
+              <a:gd name="adj1" fmla="val 10650000"/>
+            </a:avLst>
+          </a:prstGeom>
+          <a:ln>
+            <a:tailEnd type="triangle"/>
+          </a:ln>
+        </p:spPr>
+        <p:style>
+          <a:lnRef idx="1">
+            <a:schemeClr val="dk1"/>
+          </a:lnRef>
+          <a:fillRef idx="0">
+            <a:schemeClr val="dk1"/>
+          </a:fillRef>
+          <a:effectRef idx="0">
+            <a:schemeClr val="dk1"/>
+          </a:effectRef>
+          <a:fontRef idx="minor">
+            <a:schemeClr val="tx1"/>
+          </a:fontRef>
+        </p:style>
+      </p:cxnSp>
+      <mc:AlternateContent xmlns:mc="http://schemas.openxmlformats.org/markup-compatibility/2006">
+        <mc:Choice xmlns:a14="http://schemas.microsoft.com/office/drawing/2010/main" Requires="a14">
+          <p:sp>
+            <p:nvSpPr>
+              <p:cNvPr id="14" name="TextBox 13">
+                <a:extLst>
+                  <a:ext uri="{FF2B5EF4-FFF2-40B4-BE49-F238E27FC236}">
+                    <a16:creationId xmlns:a16="http://schemas.microsoft.com/office/drawing/2014/main" id="{71DBD08E-ACC3-47C3-9998-50FB9459A6BA}"/>
+                  </a:ext>
+                </a:extLst>
+              </p:cNvPr>
+              <p:cNvSpPr txBox="1"/>
+              <p:nvPr/>
+            </p:nvSpPr>
+            <p:spPr>
+              <a:xfrm>
+                <a:off x="6499948" y="1343158"/>
+                <a:ext cx="712824" cy="369332"/>
+              </a:xfrm>
+              <a:prstGeom prst="rect">
+                <a:avLst/>
+              </a:prstGeom>
+              <a:noFill/>
+            </p:spPr>
+            <p:txBody>
+              <a:bodyPr wrap="none" rtlCol="0">
+                <a:spAutoFit/>
+              </a:bodyPr>
+              <a:lstStyle/>
+              <a:p>
+                <a:pPr/>
+                <a14:m>
+                  <m:oMathPara xmlns:m="http://schemas.openxmlformats.org/officeDocument/2006/math">
+                    <m:oMathParaPr>
+                      <m:jc m:val="centerGroup"/>
+                    </m:oMathParaPr>
+                    <m:oMath xmlns:m="http://schemas.openxmlformats.org/officeDocument/2006/math">
+                      <m:sSub>
+                        <m:sSubPr>
+                          <m:ctrlPr>
+                            <a:rPr lang="en-US" b="0" i="1" smtClean="0">
+                              <a:latin typeface="Cambria Math" panose="02040503050406030204" pitchFamily="18" charset="0"/>
+                            </a:rPr>
+                          </m:ctrlPr>
+                        </m:sSubPr>
+                        <m:e>
+                          <m:r>
+                            <a:rPr lang="en-US" b="0" i="1" smtClean="0">
+                              <a:latin typeface="Cambria Math" panose="02040503050406030204" pitchFamily="18" charset="0"/>
+                            </a:rPr>
+                            <m:t>𝐾</m:t>
+                          </m:r>
+                        </m:e>
+                        <m:sub>
+                          <m:r>
+                            <a:rPr lang="en-US" b="0" i="1" smtClean="0">
+                              <a:latin typeface="Cambria Math" panose="02040503050406030204" pitchFamily="18" charset="0"/>
+                            </a:rPr>
+                            <m:t>1</m:t>
+                          </m:r>
+                        </m:sub>
+                      </m:sSub>
+                      <m:r>
+                        <a:rPr lang="en-US" b="0" i="1" smtClean="0">
+                          <a:latin typeface="Cambria Math" panose="02040503050406030204" pitchFamily="18" charset="0"/>
+                        </a:rPr>
+                        <m:t>:</m:t>
+                      </m:r>
+                      <m:r>
+                        <a:rPr lang="en-US" b="0" i="1" smtClean="0">
+                          <a:latin typeface="Cambria Math" panose="02040503050406030204" pitchFamily="18" charset="0"/>
+                        </a:rPr>
+                        <m:t>𝑥</m:t>
+                      </m:r>
+                    </m:oMath>
+                  </m:oMathPara>
+                </a14:m>
+                <a:endParaRPr lang="en-US" dirty="0"/>
+              </a:p>
+            </p:txBody>
+          </p:sp>
+        </mc:Choice>
+        <mc:Fallback>
+          <p:sp>
+            <p:nvSpPr>
+              <p:cNvPr id="14" name="TextBox 13">
+                <a:extLst>
+                  <a:ext uri="{FF2B5EF4-FFF2-40B4-BE49-F238E27FC236}">
+                    <a16:creationId xmlns:a16="http://schemas.microsoft.com/office/drawing/2014/main" id="{71DBD08E-ACC3-47C3-9998-50FB9459A6BA}"/>
+                  </a:ext>
+                </a:extLst>
+              </p:cNvPr>
+              <p:cNvSpPr txBox="1">
+                <a:spLocks noRot="1" noChangeAspect="1" noMove="1" noResize="1" noEditPoints="1" noAdjustHandles="1" noChangeArrowheads="1" noChangeShapeType="1" noTextEdit="1"/>
+              </p:cNvSpPr>
+              <p:nvPr/>
+            </p:nvSpPr>
+            <p:spPr>
+              <a:xfrm>
+                <a:off x="6499948" y="1343158"/>
+                <a:ext cx="712824" cy="369332"/>
+              </a:xfrm>
+              <a:prstGeom prst="rect">
+                <a:avLst/>
+              </a:prstGeom>
+              <a:blipFill>
+                <a:blip r:embed="rId5"/>
+                <a:stretch>
+                  <a:fillRect/>
+                </a:stretch>
+              </a:blipFill>
+            </p:spPr>
+            <p:txBody>
+              <a:bodyPr/>
+              <a:lstStyle/>
+              <a:p>
+                <a:r>
+                  <a:rPr lang="en-US">
+                    <a:noFill/>
+                  </a:rPr>
+                  <a:t> </a:t>
+                </a:r>
+              </a:p>
+            </p:txBody>
+          </p:sp>
+        </mc:Fallback>
+      </mc:AlternateContent>
+      <mc:AlternateContent xmlns:mc="http://schemas.openxmlformats.org/markup-compatibility/2006">
+        <mc:Choice xmlns:a14="http://schemas.microsoft.com/office/drawing/2010/main" Requires="a14">
+          <p:sp>
+            <p:nvSpPr>
+              <p:cNvPr id="15" name="TextBox 14">
+                <a:extLst>
+                  <a:ext uri="{FF2B5EF4-FFF2-40B4-BE49-F238E27FC236}">
+                    <a16:creationId xmlns:a16="http://schemas.microsoft.com/office/drawing/2014/main" id="{2EBA5FA0-E832-4EA0-9A48-5A92B24CC8B5}"/>
+                  </a:ext>
+                </a:extLst>
+              </p:cNvPr>
+              <p:cNvSpPr txBox="1"/>
+              <p:nvPr/>
+            </p:nvSpPr>
+            <p:spPr>
+              <a:xfrm>
+                <a:off x="6618540" y="5330176"/>
+                <a:ext cx="488339" cy="369332"/>
+              </a:xfrm>
+              <a:prstGeom prst="rect">
+                <a:avLst/>
+              </a:prstGeom>
+              <a:noFill/>
+            </p:spPr>
+            <p:txBody>
+              <a:bodyPr wrap="square" rtlCol="0">
+                <a:spAutoFit/>
+              </a:bodyPr>
+              <a:lstStyle/>
+              <a:p>
+                <a:pPr/>
+                <a14:m>
+                  <m:oMathPara xmlns:m="http://schemas.openxmlformats.org/officeDocument/2006/math">
+                    <m:oMathParaPr>
+                      <m:jc m:val="centerGroup"/>
+                    </m:oMathParaPr>
+                    <m:oMath xmlns:m="http://schemas.openxmlformats.org/officeDocument/2006/math">
+                      <m:sSub>
+                        <m:sSubPr>
+                          <m:ctrlPr>
+                            <a:rPr lang="en-US" b="0" i="1" smtClean="0">
+                              <a:latin typeface="Cambria Math" panose="02040503050406030204" pitchFamily="18" charset="0"/>
+                            </a:rPr>
+                          </m:ctrlPr>
+                        </m:sSubPr>
+                        <m:e>
+                          <m:r>
+                            <a:rPr lang="en-US" b="0" i="1" smtClean="0">
+                              <a:latin typeface="Cambria Math" panose="02040503050406030204" pitchFamily="18" charset="0"/>
+                            </a:rPr>
+                            <m:t>𝐾</m:t>
+                          </m:r>
+                        </m:e>
+                        <m:sub>
+                          <m:r>
+                            <a:rPr lang="en-US" b="0" i="1" smtClean="0">
+                              <a:latin typeface="Cambria Math" panose="02040503050406030204" pitchFamily="18" charset="0"/>
+                            </a:rPr>
+                            <m:t>2</m:t>
+                          </m:r>
+                        </m:sub>
+                      </m:sSub>
+                      <m:r>
+                        <a:rPr lang="en-US" b="0" i="1" smtClean="0">
+                          <a:latin typeface="Cambria Math" panose="02040503050406030204" pitchFamily="18" charset="0"/>
+                        </a:rPr>
+                        <m:t>:</m:t>
+                      </m:r>
+                      <m:r>
+                        <a:rPr lang="en-US" b="0" i="1" smtClean="0">
+                          <a:latin typeface="Cambria Math" panose="02040503050406030204" pitchFamily="18" charset="0"/>
+                        </a:rPr>
+                        <m:t>𝑦</m:t>
+                      </m:r>
+                    </m:oMath>
+                  </m:oMathPara>
+                </a14:m>
+                <a:endParaRPr lang="en-US" dirty="0"/>
+              </a:p>
+            </p:txBody>
+          </p:sp>
+        </mc:Choice>
+        <mc:Fallback>
           <p:sp>
             <p:nvSpPr>
               <p:cNvPr id="15" name="TextBox 14">
@@ -4270,16 +5779,16 @@
             </p:nvSpPr>
             <p:spPr>
               <a:xfrm>
-                <a:off x="5096399" y="4265190"/>
+                <a:off x="6618540" y="5330176"/>
                 <a:ext cx="488339" cy="369332"/>
               </a:xfrm>
               <a:prstGeom prst="rect">
                 <a:avLst/>
               </a:prstGeom>
               <a:blipFill>
-                <a:blip r:embed="rId5"/>
+                <a:blip r:embed="rId6"/>
                 <a:stretch>
-                  <a:fillRect/>
+                  <a:fillRect r="-33750" b="-6557"/>
                 </a:stretch>
               </a:blipFill>
             </p:spPr>
@@ -4314,8 +5823,8 @@
             </p:nvSpPr>
             <p:spPr>
               <a:xfrm>
-                <a:off x="4808232" y="2856986"/>
-                <a:ext cx="962636" cy="369332"/>
+                <a:off x="4719785" y="2343262"/>
+                <a:ext cx="698589" cy="369332"/>
               </a:xfrm>
               <a:prstGeom prst="rect">
                 <a:avLst/>
@@ -4335,23 +5844,42 @@
                       <m:jc m:val="centerGroup"/>
                     </m:oMathParaPr>
                     <m:oMath xmlns:m="http://schemas.openxmlformats.org/officeDocument/2006/math">
+                      <m:sSub>
+                        <m:sSubPr>
+                          <m:ctrlPr>
+                            <a:rPr lang="en-US" b="0" i="1" smtClean="0">
+                              <a:latin typeface="Cambria Math" panose="02040503050406030204" pitchFamily="18" charset="0"/>
+                            </a:rPr>
+                          </m:ctrlPr>
+                        </m:sSubPr>
+                        <m:e>
+                          <m:r>
+                            <a:rPr lang="en-US" b="0" i="1" smtClean="0">
+                              <a:latin typeface="Cambria Math" panose="02040503050406030204" pitchFamily="18" charset="0"/>
+                            </a:rPr>
+                            <m:t>𝐾</m:t>
+                          </m:r>
+                        </m:e>
+                        <m:sub>
+                          <m:r>
+                            <a:rPr lang="en-US" b="0" i="1" smtClean="0">
+                              <a:latin typeface="Cambria Math" panose="02040503050406030204" pitchFamily="18" charset="0"/>
+                            </a:rPr>
+                            <m:t>1</m:t>
+                          </m:r>
+                        </m:sub>
+                      </m:sSub>
                       <m:r>
                         <a:rPr lang="en-US" b="0" i="1" smtClean="0">
                           <a:latin typeface="Cambria Math" panose="02040503050406030204" pitchFamily="18" charset="0"/>
                         </a:rPr>
-                        <m:t>𝑥</m:t>
+                        <m:t>:</m:t>
                       </m:r>
                       <m:r>
                         <a:rPr lang="en-US" b="0" i="1" smtClean="0">
                           <a:latin typeface="Cambria Math" panose="02040503050406030204" pitchFamily="18" charset="0"/>
                         </a:rPr>
-                        <m:t> </m:t>
-                      </m:r>
-                      <m:r>
-                        <a:rPr lang="en-US" b="0" i="1" smtClean="0">
-                          <a:latin typeface="Cambria Math" panose="02040503050406030204" pitchFamily="18" charset="0"/>
-                        </a:rPr>
-                        <m:t>𝑢𝑛𝑖𝑡𝑠</m:t>
+                        <m:t>𝑧</m:t>
                       </m:r>
                     </m:oMath>
                   </m:oMathPara>
@@ -4378,14 +5906,14 @@
             </p:nvSpPr>
             <p:spPr>
               <a:xfrm>
-                <a:off x="4808232" y="2856986"/>
-                <a:ext cx="962636" cy="369332"/>
+                <a:off x="4719785" y="2343262"/>
+                <a:ext cx="698589" cy="369332"/>
               </a:xfrm>
               <a:prstGeom prst="rect">
                 <a:avLst/>
               </a:prstGeom>
               <a:blipFill>
-                <a:blip r:embed="rId6"/>
+                <a:blip r:embed="rId7"/>
                 <a:stretch>
                   <a:fillRect/>
                 </a:stretch>
@@ -4422,8 +5950,8 @@
             </p:nvSpPr>
             <p:spPr>
               <a:xfrm>
-                <a:off x="4808232" y="3895858"/>
-                <a:ext cx="966034" cy="369332"/>
+                <a:off x="4686892" y="4215855"/>
+                <a:ext cx="764376" cy="369332"/>
               </a:xfrm>
               <a:prstGeom prst="rect">
                 <a:avLst/>
@@ -4443,23 +5971,42 @@
                       <m:jc m:val="centerGroup"/>
                     </m:oMathParaPr>
                     <m:oMath xmlns:m="http://schemas.openxmlformats.org/officeDocument/2006/math">
+                      <m:sSub>
+                        <m:sSubPr>
+                          <m:ctrlPr>
+                            <a:rPr lang="en-US" b="0" i="1" smtClean="0">
+                              <a:latin typeface="Cambria Math" panose="02040503050406030204" pitchFamily="18" charset="0"/>
+                            </a:rPr>
+                          </m:ctrlPr>
+                        </m:sSubPr>
+                        <m:e>
+                          <m:r>
+                            <a:rPr lang="en-US" b="0" i="1" smtClean="0">
+                              <a:latin typeface="Cambria Math" panose="02040503050406030204" pitchFamily="18" charset="0"/>
+                            </a:rPr>
+                            <m:t>𝐾</m:t>
+                          </m:r>
+                        </m:e>
+                        <m:sub>
+                          <m:r>
+                            <a:rPr lang="en-US" b="0" i="1" smtClean="0">
+                              <a:latin typeface="Cambria Math" panose="02040503050406030204" pitchFamily="18" charset="0"/>
+                            </a:rPr>
+                            <m:t>2</m:t>
+                          </m:r>
+                        </m:sub>
+                      </m:sSub>
                       <m:r>
                         <a:rPr lang="en-US" b="0" i="1" smtClean="0">
                           <a:latin typeface="Cambria Math" panose="02040503050406030204" pitchFamily="18" charset="0"/>
                         </a:rPr>
-                        <m:t>𝑦</m:t>
+                        <m:t>:</m:t>
                       </m:r>
                       <m:r>
                         <a:rPr lang="en-US" b="0" i="1" smtClean="0">
                           <a:latin typeface="Cambria Math" panose="02040503050406030204" pitchFamily="18" charset="0"/>
                         </a:rPr>
-                        <m:t> </m:t>
-                      </m:r>
-                      <m:r>
-                        <a:rPr lang="en-US" b="0" i="1" smtClean="0">
-                          <a:latin typeface="Cambria Math" panose="02040503050406030204" pitchFamily="18" charset="0"/>
-                        </a:rPr>
-                        <m:t>𝑢𝑛𝑖𝑡𝑠</m:t>
+                        <m:t>𝑤</m:t>
                       </m:r>
                     </m:oMath>
                   </m:oMathPara>
@@ -4486,16 +6033,760 @@
             </p:nvSpPr>
             <p:spPr>
               <a:xfrm>
-                <a:off x="4808232" y="3895858"/>
-                <a:ext cx="966034" cy="369332"/>
+                <a:off x="4686892" y="4215855"/>
+                <a:ext cx="764376" cy="369332"/>
               </a:xfrm>
               <a:prstGeom prst="rect">
                 <a:avLst/>
               </a:prstGeom>
               <a:blipFill>
-                <a:blip r:embed="rId7"/>
+                <a:blip r:embed="rId8"/>
                 <a:stretch>
-                  <a:fillRect b="-6557"/>
+                  <a:fillRect/>
+                </a:stretch>
+              </a:blipFill>
+            </p:spPr>
+            <p:txBody>
+              <a:bodyPr/>
+              <a:lstStyle/>
+              <a:p>
+                <a:r>
+                  <a:rPr lang="en-US">
+                    <a:noFill/>
+                  </a:rPr>
+                  <a:t> </a:t>
+                </a:r>
+              </a:p>
+            </p:txBody>
+          </p:sp>
+        </mc:Fallback>
+      </mc:AlternateContent>
+      <mc:AlternateContent xmlns:mc="http://schemas.openxmlformats.org/markup-compatibility/2006">
+        <mc:Choice xmlns:a14="http://schemas.microsoft.com/office/drawing/2010/main" Requires="a14">
+          <p:sp>
+            <p:nvSpPr>
+              <p:cNvPr id="18" name="Rectangle 17">
+                <a:extLst>
+                  <a:ext uri="{FF2B5EF4-FFF2-40B4-BE49-F238E27FC236}">
+                    <a16:creationId xmlns:a16="http://schemas.microsoft.com/office/drawing/2014/main" id="{013FCE35-51C0-4FA8-9801-FEEFBEDDA618}"/>
+                  </a:ext>
+                </a:extLst>
+              </p:cNvPr>
+              <p:cNvSpPr/>
+              <p:nvPr/>
+            </p:nvSpPr>
+            <p:spPr>
+              <a:xfrm>
+                <a:off x="429846" y="3894504"/>
+                <a:ext cx="1967719" cy="1090246"/>
+              </a:xfrm>
+              <a:prstGeom prst="rect">
+                <a:avLst/>
+              </a:prstGeom>
+              <a:noFill/>
+              <a:ln>
+                <a:solidFill>
+                  <a:schemeClr val="tx1"/>
+                </a:solidFill>
+              </a:ln>
+            </p:spPr>
+            <p:style>
+              <a:lnRef idx="2">
+                <a:schemeClr val="accent1">
+                  <a:shade val="50000"/>
+                </a:schemeClr>
+              </a:lnRef>
+              <a:fillRef idx="1">
+                <a:schemeClr val="accent1"/>
+              </a:fillRef>
+              <a:effectRef idx="0">
+                <a:schemeClr val="accent1"/>
+              </a:effectRef>
+              <a:fontRef idx="minor">
+                <a:schemeClr val="lt1"/>
+              </a:fontRef>
+            </p:style>
+            <p:txBody>
+              <a:bodyPr rtlCol="0" anchor="ctr"/>
+              <a:lstStyle/>
+              <a:p>
+                <a14:m>
+                  <m:oMathPara xmlns:m="http://schemas.openxmlformats.org/officeDocument/2006/math">
+                    <m:oMathParaPr>
+                      <m:jc m:val="centerGroup"/>
+                    </m:oMathParaPr>
+                    <m:oMath xmlns:m="http://schemas.openxmlformats.org/officeDocument/2006/math">
+                      <m:r>
+                        <a:rPr lang="en-US" i="1" dirty="0" smtClean="0">
+                          <a:solidFill>
+                            <a:schemeClr val="tx1"/>
+                          </a:solidFill>
+                          <a:latin typeface="Cambria Math" panose="02040503050406030204" pitchFamily="18" charset="0"/>
+                        </a:rPr>
+                        <m:t>𝑆𝑡𝑜𝑐𝑘</m:t>
+                      </m:r>
+                      <m:r>
+                        <a:rPr lang="en-US" i="1" dirty="0" smtClean="0">
+                          <a:solidFill>
+                            <a:schemeClr val="tx1"/>
+                          </a:solidFill>
+                          <a:latin typeface="Cambria Math" panose="02040503050406030204" pitchFamily="18" charset="0"/>
+                        </a:rPr>
+                        <m:t>(</m:t>
+                      </m:r>
+                      <m:r>
+                        <a:rPr lang="en-US" i="1" dirty="0" smtClean="0">
+                          <a:solidFill>
+                            <a:schemeClr val="tx1"/>
+                          </a:solidFill>
+                          <a:latin typeface="Cambria Math" panose="02040503050406030204" pitchFamily="18" charset="0"/>
+                        </a:rPr>
+                        <m:t>𝑜</m:t>
+                      </m:r>
+                      <m:r>
+                        <a:rPr lang="en-US" i="1" dirty="0" smtClean="0">
+                          <a:solidFill>
+                            <a:schemeClr val="tx1"/>
+                          </a:solidFill>
+                          <a:latin typeface="Cambria Math" panose="02040503050406030204" pitchFamily="18" charset="0"/>
+                        </a:rPr>
+                        <m:t>) =10</m:t>
+                      </m:r>
+                    </m:oMath>
+                  </m:oMathPara>
+                </a14:m>
+                <a:endParaRPr lang="en-US" dirty="0">
+                  <a:solidFill>
+                    <a:schemeClr val="tx1"/>
+                  </a:solidFill>
+                </a:endParaRPr>
+              </a:p>
+              <a:p>
+                <a14:m>
+                  <m:oMathPara xmlns:m="http://schemas.openxmlformats.org/officeDocument/2006/math">
+                    <m:oMathParaPr>
+                      <m:jc m:val="centerGroup"/>
+                    </m:oMathParaPr>
+                    <m:oMath xmlns:m="http://schemas.openxmlformats.org/officeDocument/2006/math">
+                      <m:r>
+                        <a:rPr lang="en-US" i="1" dirty="0" smtClean="0">
+                          <a:solidFill>
+                            <a:schemeClr val="tx1"/>
+                          </a:solidFill>
+                          <a:latin typeface="Cambria Math" panose="02040503050406030204" pitchFamily="18" charset="0"/>
+                        </a:rPr>
+                        <m:t>𝑆𝑡𝑜𝑐𝑘</m:t>
+                      </m:r>
+                      <m:r>
+                        <a:rPr lang="en-US" i="1" dirty="0" smtClean="0">
+                          <a:solidFill>
+                            <a:schemeClr val="tx1"/>
+                          </a:solidFill>
+                          <a:latin typeface="Cambria Math" panose="02040503050406030204" pitchFamily="18" charset="0"/>
+                        </a:rPr>
+                        <m:t>(</m:t>
+                      </m:r>
+                      <m:r>
+                        <a:rPr lang="en-US" i="1" dirty="0" smtClean="0">
+                          <a:solidFill>
+                            <a:schemeClr val="tx1"/>
+                          </a:solidFill>
+                          <a:latin typeface="Cambria Math" panose="02040503050406030204" pitchFamily="18" charset="0"/>
+                        </a:rPr>
+                        <m:t>𝑑</m:t>
+                      </m:r>
+                      <m:r>
+                        <a:rPr lang="en-US" i="1" dirty="0" smtClean="0">
+                          <a:solidFill>
+                            <a:schemeClr val="tx1"/>
+                          </a:solidFill>
+                          <a:latin typeface="Cambria Math" panose="02040503050406030204" pitchFamily="18" charset="0"/>
+                        </a:rPr>
+                        <m:t>) = 2.5</m:t>
+                      </m:r>
+                    </m:oMath>
+                  </m:oMathPara>
+                </a14:m>
+                <a:endParaRPr lang="en-US" dirty="0">
+                  <a:solidFill>
+                    <a:schemeClr val="tx1"/>
+                  </a:solidFill>
+                </a:endParaRPr>
+              </a:p>
+              <a:p>
+                <a14:m>
+                  <m:oMathPara xmlns:m="http://schemas.openxmlformats.org/officeDocument/2006/math">
+                    <m:oMathParaPr>
+                      <m:jc m:val="centerGroup"/>
+                    </m:oMathParaPr>
+                    <m:oMath xmlns:m="http://schemas.openxmlformats.org/officeDocument/2006/math">
+                      <m:r>
+                        <a:rPr lang="en-US" b="0" i="1" smtClean="0">
+                          <a:solidFill>
+                            <a:schemeClr val="tx1"/>
+                          </a:solidFill>
+                          <a:latin typeface="Cambria Math" panose="02040503050406030204" pitchFamily="18" charset="0"/>
+                        </a:rPr>
+                        <m:t>𝑆𝑡𝑜𝑐𝑘</m:t>
+                      </m:r>
+                      <m:d>
+                        <m:dPr>
+                          <m:ctrlPr>
+                            <a:rPr lang="en-US" b="0" i="1" smtClean="0">
+                              <a:solidFill>
+                                <a:schemeClr val="tx1"/>
+                              </a:solidFill>
+                              <a:latin typeface="Cambria Math" panose="02040503050406030204" pitchFamily="18" charset="0"/>
+                            </a:rPr>
+                          </m:ctrlPr>
+                        </m:dPr>
+                        <m:e>
+                          <m:r>
+                            <a:rPr lang="en-US" b="0" i="1" smtClean="0">
+                              <a:solidFill>
+                                <a:schemeClr val="tx1"/>
+                              </a:solidFill>
+                              <a:latin typeface="Cambria Math" panose="02040503050406030204" pitchFamily="18" charset="0"/>
+                            </a:rPr>
+                            <m:t>𝑚</m:t>
+                          </m:r>
+                        </m:e>
+                      </m:d>
+                      <m:r>
+                        <a:rPr lang="en-US" b="0" i="1" smtClean="0">
+                          <a:solidFill>
+                            <a:schemeClr val="tx1"/>
+                          </a:solidFill>
+                          <a:latin typeface="Cambria Math" panose="02040503050406030204" pitchFamily="18" charset="0"/>
+                        </a:rPr>
+                        <m:t>=</m:t>
+                      </m:r>
+                      <m:r>
+                        <a:rPr lang="en-US" b="0" i="1" smtClean="0">
+                          <a:solidFill>
+                            <a:schemeClr val="tx1"/>
+                          </a:solidFill>
+                          <a:latin typeface="Cambria Math" panose="02040503050406030204" pitchFamily="18" charset="0"/>
+                        </a:rPr>
+                        <m:t>5</m:t>
+                      </m:r>
+                    </m:oMath>
+                  </m:oMathPara>
+                </a14:m>
+                <a:endParaRPr lang="en-US" dirty="0">
+                  <a:solidFill>
+                    <a:schemeClr val="tx1"/>
+                  </a:solidFill>
+                </a:endParaRPr>
+              </a:p>
+            </p:txBody>
+          </p:sp>
+        </mc:Choice>
+        <mc:Fallback>
+          <p:sp>
+            <p:nvSpPr>
+              <p:cNvPr id="18" name="Rectangle 17">
+                <a:extLst>
+                  <a:ext uri="{FF2B5EF4-FFF2-40B4-BE49-F238E27FC236}">
+                    <a16:creationId xmlns:a16="http://schemas.microsoft.com/office/drawing/2014/main" id="{013FCE35-51C0-4FA8-9801-FEEFBEDDA618}"/>
+                  </a:ext>
+                </a:extLst>
+              </p:cNvPr>
+              <p:cNvSpPr>
+                <a:spLocks noRot="1" noChangeAspect="1" noMove="1" noResize="1" noEditPoints="1" noAdjustHandles="1" noChangeArrowheads="1" noChangeShapeType="1" noTextEdit="1"/>
+              </p:cNvSpPr>
+              <p:nvPr/>
+            </p:nvSpPr>
+            <p:spPr>
+              <a:xfrm>
+                <a:off x="429846" y="3894504"/>
+                <a:ext cx="1967719" cy="1090246"/>
+              </a:xfrm>
+              <a:prstGeom prst="rect">
+                <a:avLst/>
+              </a:prstGeom>
+              <a:blipFill>
+                <a:blip r:embed="rId9"/>
+                <a:stretch>
+                  <a:fillRect/>
+                </a:stretch>
+              </a:blipFill>
+              <a:ln>
+                <a:solidFill>
+                  <a:schemeClr val="tx1"/>
+                </a:solidFill>
+              </a:ln>
+            </p:spPr>
+            <p:txBody>
+              <a:bodyPr/>
+              <a:lstStyle/>
+              <a:p>
+                <a:r>
+                  <a:rPr lang="en-US">
+                    <a:noFill/>
+                  </a:rPr>
+                  <a:t> </a:t>
+                </a:r>
+              </a:p>
+            </p:txBody>
+          </p:sp>
+        </mc:Fallback>
+      </mc:AlternateContent>
+      <p:sp>
+        <p:nvSpPr>
+          <p:cNvPr id="19" name="Oval 18">
+            <a:extLst>
+              <a:ext uri="{FF2B5EF4-FFF2-40B4-BE49-F238E27FC236}">
+                <a16:creationId xmlns:a16="http://schemas.microsoft.com/office/drawing/2014/main" id="{151FB099-3EFF-467C-92E8-6D9B265613F2}"/>
+              </a:ext>
+            </a:extLst>
+          </p:cNvPr>
+          <p:cNvSpPr/>
+          <p:nvPr/>
+        </p:nvSpPr>
+        <p:spPr>
+          <a:xfrm>
+            <a:off x="6324914" y="2932725"/>
+            <a:ext cx="1062892" cy="1062892"/>
+          </a:xfrm>
+          <a:prstGeom prst="ellipse">
+            <a:avLst/>
+          </a:prstGeom>
+          <a:solidFill>
+            <a:srgbClr val="FF0000"/>
+          </a:solidFill>
+          <a:ln>
+            <a:solidFill>
+              <a:srgbClr val="C00000"/>
+            </a:solidFill>
+          </a:ln>
+        </p:spPr>
+        <p:style>
+          <a:lnRef idx="2">
+            <a:schemeClr val="accent1">
+              <a:shade val="50000"/>
+            </a:schemeClr>
+          </a:lnRef>
+          <a:fillRef idx="1">
+            <a:schemeClr val="accent1"/>
+          </a:fillRef>
+          <a:effectRef idx="0">
+            <a:schemeClr val="accent1"/>
+          </a:effectRef>
+          <a:fontRef idx="minor">
+            <a:schemeClr val="lt1"/>
+          </a:fontRef>
+        </p:style>
+        <p:txBody>
+          <a:bodyPr rtlCol="0" anchor="ctr"/>
+          <a:lstStyle/>
+          <a:p>
+            <a:pPr algn="ctr"/>
+            <a:r>
+              <a:rPr lang="en-US" sz="2400" dirty="0">
+                <a:solidFill>
+                  <a:schemeClr val="tx1"/>
+                </a:solidFill>
+                <a:latin typeface="Cambria Math" panose="02040503050406030204" pitchFamily="18" charset="0"/>
+                <a:ea typeface="Cambria Math" panose="02040503050406030204" pitchFamily="18" charset="0"/>
+              </a:rPr>
+              <a:t>m</a:t>
+            </a:r>
+          </a:p>
+        </p:txBody>
+      </p:sp>
+      <p:cxnSp>
+        <p:nvCxnSpPr>
+          <p:cNvPr id="22" name="Connector: Curved 21">
+            <a:extLst>
+              <a:ext uri="{FF2B5EF4-FFF2-40B4-BE49-F238E27FC236}">
+                <a16:creationId xmlns:a16="http://schemas.microsoft.com/office/drawing/2014/main" id="{49A8F0F3-CD09-46FA-8D75-C8C98CD4C759}"/>
+              </a:ext>
+            </a:extLst>
+          </p:cNvPr>
+          <p:cNvCxnSpPr>
+            <a:cxnSpLocks/>
+            <a:stCxn id="4" idx="7"/>
+            <a:endCxn id="19" idx="1"/>
+          </p:cNvCxnSpPr>
+          <p:nvPr/>
+        </p:nvCxnSpPr>
+        <p:spPr>
+          <a:xfrm rot="5400000" flipH="1" flipV="1">
+            <a:off x="5079337" y="1687148"/>
+            <a:ext cx="12700" cy="2802468"/>
+          </a:xfrm>
+          <a:prstGeom prst="curvedConnector3">
+            <a:avLst>
+              <a:gd name="adj1" fmla="val 3025646"/>
+            </a:avLst>
+          </a:prstGeom>
+          <a:ln>
+            <a:tailEnd type="triangle"/>
+          </a:ln>
+        </p:spPr>
+        <p:style>
+          <a:lnRef idx="1">
+            <a:schemeClr val="dk1"/>
+          </a:lnRef>
+          <a:fillRef idx="0">
+            <a:schemeClr val="dk1"/>
+          </a:fillRef>
+          <a:effectRef idx="0">
+            <a:schemeClr val="dk1"/>
+          </a:effectRef>
+          <a:fontRef idx="minor">
+            <a:schemeClr val="tx1"/>
+          </a:fontRef>
+        </p:style>
+      </p:cxnSp>
+      <p:cxnSp>
+        <p:nvCxnSpPr>
+          <p:cNvPr id="27" name="Connector: Curved 26">
+            <a:extLst>
+              <a:ext uri="{FF2B5EF4-FFF2-40B4-BE49-F238E27FC236}">
+                <a16:creationId xmlns:a16="http://schemas.microsoft.com/office/drawing/2014/main" id="{38B18DC8-1D11-4599-8234-40AB9DD62340}"/>
+              </a:ext>
+            </a:extLst>
+          </p:cNvPr>
+          <p:cNvCxnSpPr>
+            <a:cxnSpLocks/>
+            <a:stCxn id="19" idx="7"/>
+            <a:endCxn id="5" idx="1"/>
+          </p:cNvCxnSpPr>
+          <p:nvPr/>
+        </p:nvCxnSpPr>
+        <p:spPr>
+          <a:xfrm rot="5400000" flipH="1" flipV="1">
+            <a:off x="8633383" y="1687148"/>
+            <a:ext cx="12700" cy="2802468"/>
+          </a:xfrm>
+          <a:prstGeom prst="curvedConnector3">
+            <a:avLst>
+              <a:gd name="adj1" fmla="val 3025646"/>
+            </a:avLst>
+          </a:prstGeom>
+          <a:ln>
+            <a:tailEnd type="triangle"/>
+          </a:ln>
+        </p:spPr>
+        <p:style>
+          <a:lnRef idx="1">
+            <a:schemeClr val="dk1"/>
+          </a:lnRef>
+          <a:fillRef idx="0">
+            <a:schemeClr val="dk1"/>
+          </a:fillRef>
+          <a:effectRef idx="0">
+            <a:schemeClr val="dk1"/>
+          </a:effectRef>
+          <a:fontRef idx="minor">
+            <a:schemeClr val="tx1"/>
+          </a:fontRef>
+        </p:style>
+      </p:cxnSp>
+      <p:cxnSp>
+        <p:nvCxnSpPr>
+          <p:cNvPr id="28" name="Connector: Curved 27">
+            <a:extLst>
+              <a:ext uri="{FF2B5EF4-FFF2-40B4-BE49-F238E27FC236}">
+                <a16:creationId xmlns:a16="http://schemas.microsoft.com/office/drawing/2014/main" id="{29A2EF14-5274-4943-BB20-6BAFABFB33AB}"/>
+              </a:ext>
+            </a:extLst>
+          </p:cNvPr>
+          <p:cNvCxnSpPr>
+            <a:cxnSpLocks/>
+            <a:stCxn id="4" idx="5"/>
+            <a:endCxn id="19" idx="3"/>
+          </p:cNvCxnSpPr>
+          <p:nvPr/>
+        </p:nvCxnSpPr>
+        <p:spPr>
+          <a:xfrm rot="16200000" flipH="1">
+            <a:off x="5079337" y="2438726"/>
+            <a:ext cx="12700" cy="2802468"/>
+          </a:xfrm>
+          <a:prstGeom prst="curvedConnector3">
+            <a:avLst>
+              <a:gd name="adj1" fmla="val 3025646"/>
+            </a:avLst>
+          </a:prstGeom>
+          <a:ln>
+            <a:tailEnd type="triangle"/>
+          </a:ln>
+        </p:spPr>
+        <p:style>
+          <a:lnRef idx="1">
+            <a:schemeClr val="dk1"/>
+          </a:lnRef>
+          <a:fillRef idx="0">
+            <a:schemeClr val="dk1"/>
+          </a:fillRef>
+          <a:effectRef idx="0">
+            <a:schemeClr val="dk1"/>
+          </a:effectRef>
+          <a:fontRef idx="minor">
+            <a:schemeClr val="tx1"/>
+          </a:fontRef>
+        </p:style>
+      </p:cxnSp>
+      <p:cxnSp>
+        <p:nvCxnSpPr>
+          <p:cNvPr id="29" name="Connector: Curved 28">
+            <a:extLst>
+              <a:ext uri="{FF2B5EF4-FFF2-40B4-BE49-F238E27FC236}">
+                <a16:creationId xmlns:a16="http://schemas.microsoft.com/office/drawing/2014/main" id="{4FF859D4-F15C-47FE-929A-F250DB03D3A6}"/>
+              </a:ext>
+            </a:extLst>
+          </p:cNvPr>
+          <p:cNvCxnSpPr>
+            <a:cxnSpLocks/>
+            <a:stCxn id="19" idx="5"/>
+            <a:endCxn id="5" idx="3"/>
+          </p:cNvCxnSpPr>
+          <p:nvPr/>
+        </p:nvCxnSpPr>
+        <p:spPr>
+          <a:xfrm rot="16200000" flipH="1">
+            <a:off x="8633383" y="2438726"/>
+            <a:ext cx="12700" cy="2802468"/>
+          </a:xfrm>
+          <a:prstGeom prst="curvedConnector3">
+            <a:avLst>
+              <a:gd name="adj1" fmla="val 3025646"/>
+            </a:avLst>
+          </a:prstGeom>
+          <a:ln>
+            <a:tailEnd type="triangle"/>
+          </a:ln>
+        </p:spPr>
+        <p:style>
+          <a:lnRef idx="1">
+            <a:schemeClr val="dk1"/>
+          </a:lnRef>
+          <a:fillRef idx="0">
+            <a:schemeClr val="dk1"/>
+          </a:fillRef>
+          <a:effectRef idx="0">
+            <a:schemeClr val="dk1"/>
+          </a:effectRef>
+          <a:fontRef idx="minor">
+            <a:schemeClr val="tx1"/>
+          </a:fontRef>
+        </p:style>
+      </p:cxnSp>
+      <mc:AlternateContent xmlns:mc="http://schemas.openxmlformats.org/markup-compatibility/2006">
+        <mc:Choice xmlns:a14="http://schemas.microsoft.com/office/drawing/2010/main" Requires="a14">
+          <p:sp>
+            <p:nvSpPr>
+              <p:cNvPr id="51" name="TextBox 50">
+                <a:extLst>
+                  <a:ext uri="{FF2B5EF4-FFF2-40B4-BE49-F238E27FC236}">
+                    <a16:creationId xmlns:a16="http://schemas.microsoft.com/office/drawing/2014/main" id="{C8E16A49-0BEC-4A88-96E1-AFD8DB892CA5}"/>
+                  </a:ext>
+                </a:extLst>
+              </p:cNvPr>
+              <p:cNvSpPr txBox="1"/>
+              <p:nvPr/>
+            </p:nvSpPr>
+            <p:spPr>
+              <a:xfrm>
+                <a:off x="8290438" y="2343262"/>
+                <a:ext cx="488339" cy="369332"/>
+              </a:xfrm>
+              <a:prstGeom prst="rect">
+                <a:avLst/>
+              </a:prstGeom>
+              <a:noFill/>
+            </p:spPr>
+            <p:txBody>
+              <a:bodyPr wrap="none" rtlCol="0">
+                <a:spAutoFit/>
+              </a:bodyPr>
+              <a:lstStyle/>
+              <a:p>
+                <a:pPr/>
+                <a14:m>
+                  <m:oMathPara xmlns:m="http://schemas.openxmlformats.org/officeDocument/2006/math">
+                    <m:oMathParaPr>
+                      <m:jc m:val="centerGroup"/>
+                    </m:oMathParaPr>
+                    <m:oMath xmlns:m="http://schemas.openxmlformats.org/officeDocument/2006/math">
+                      <m:sSub>
+                        <m:sSubPr>
+                          <m:ctrlPr>
+                            <a:rPr lang="en-US" b="0" i="1" smtClean="0">
+                              <a:latin typeface="Cambria Math" panose="02040503050406030204" pitchFamily="18" charset="0"/>
+                            </a:rPr>
+                          </m:ctrlPr>
+                        </m:sSubPr>
+                        <m:e>
+                          <m:r>
+                            <a:rPr lang="en-US" b="0" i="1" smtClean="0">
+                              <a:latin typeface="Cambria Math" panose="02040503050406030204" pitchFamily="18" charset="0"/>
+                            </a:rPr>
+                            <m:t>𝐾</m:t>
+                          </m:r>
+                        </m:e>
+                        <m:sub>
+                          <m:r>
+                            <a:rPr lang="en-US" b="0" i="1" smtClean="0">
+                              <a:latin typeface="Cambria Math" panose="02040503050406030204" pitchFamily="18" charset="0"/>
+                            </a:rPr>
+                            <m:t>2</m:t>
+                          </m:r>
+                        </m:sub>
+                      </m:sSub>
+                    </m:oMath>
+                  </m:oMathPara>
+                </a14:m>
+                <a:endParaRPr lang="en-US" dirty="0"/>
+              </a:p>
+            </p:txBody>
+          </p:sp>
+        </mc:Choice>
+        <mc:Fallback>
+          <p:sp>
+            <p:nvSpPr>
+              <p:cNvPr id="51" name="TextBox 50">
+                <a:extLst>
+                  <a:ext uri="{FF2B5EF4-FFF2-40B4-BE49-F238E27FC236}">
+                    <a16:creationId xmlns:a16="http://schemas.microsoft.com/office/drawing/2014/main" id="{C8E16A49-0BEC-4A88-96E1-AFD8DB892CA5}"/>
+                  </a:ext>
+                </a:extLst>
+              </p:cNvPr>
+              <p:cNvSpPr txBox="1">
+                <a:spLocks noRot="1" noChangeAspect="1" noMove="1" noResize="1" noEditPoints="1" noAdjustHandles="1" noChangeArrowheads="1" noChangeShapeType="1" noTextEdit="1"/>
+              </p:cNvSpPr>
+              <p:nvPr/>
+            </p:nvSpPr>
+            <p:spPr>
+              <a:xfrm>
+                <a:off x="8290438" y="2343262"/>
+                <a:ext cx="488339" cy="369332"/>
+              </a:xfrm>
+              <a:prstGeom prst="rect">
+                <a:avLst/>
+              </a:prstGeom>
+              <a:blipFill>
+                <a:blip r:embed="rId10"/>
+                <a:stretch>
+                  <a:fillRect/>
+                </a:stretch>
+              </a:blipFill>
+            </p:spPr>
+            <p:txBody>
+              <a:bodyPr/>
+              <a:lstStyle/>
+              <a:p>
+                <a:r>
+                  <a:rPr lang="en-US">
+                    <a:noFill/>
+                  </a:rPr>
+                  <a:t> </a:t>
+                </a:r>
+              </a:p>
+            </p:txBody>
+          </p:sp>
+        </mc:Fallback>
+      </mc:AlternateContent>
+      <mc:AlternateContent xmlns:mc="http://schemas.openxmlformats.org/markup-compatibility/2006">
+        <mc:Choice xmlns:a14="http://schemas.microsoft.com/office/drawing/2010/main" Requires="a14">
+          <p:sp>
+            <p:nvSpPr>
+              <p:cNvPr id="52" name="TextBox 51">
+                <a:extLst>
+                  <a:ext uri="{FF2B5EF4-FFF2-40B4-BE49-F238E27FC236}">
+                    <a16:creationId xmlns:a16="http://schemas.microsoft.com/office/drawing/2014/main" id="{1B94EB71-B0EC-4D08-B3F9-E5C614FB879D}"/>
+                  </a:ext>
+                </a:extLst>
+              </p:cNvPr>
+              <p:cNvSpPr txBox="1"/>
+              <p:nvPr/>
+            </p:nvSpPr>
+            <p:spPr>
+              <a:xfrm>
+                <a:off x="8257544" y="4215855"/>
+                <a:ext cx="483016" cy="369332"/>
+              </a:xfrm>
+              <a:prstGeom prst="rect">
+                <a:avLst/>
+              </a:prstGeom>
+              <a:noFill/>
+            </p:spPr>
+            <p:txBody>
+              <a:bodyPr wrap="none" rtlCol="0">
+                <a:spAutoFit/>
+              </a:bodyPr>
+              <a:lstStyle/>
+              <a:p>
+                <a:pPr/>
+                <a14:m>
+                  <m:oMathPara xmlns:m="http://schemas.openxmlformats.org/officeDocument/2006/math">
+                    <m:oMathParaPr>
+                      <m:jc m:val="centerGroup"/>
+                    </m:oMathParaPr>
+                    <m:oMath xmlns:m="http://schemas.openxmlformats.org/officeDocument/2006/math">
+                      <m:sSub>
+                        <m:sSubPr>
+                          <m:ctrlPr>
+                            <a:rPr lang="en-US" b="0" i="1" smtClean="0">
+                              <a:latin typeface="Cambria Math" panose="02040503050406030204" pitchFamily="18" charset="0"/>
+                            </a:rPr>
+                          </m:ctrlPr>
+                        </m:sSubPr>
+                        <m:e>
+                          <m:r>
+                            <a:rPr lang="en-US" b="0" i="1" smtClean="0">
+                              <a:latin typeface="Cambria Math" panose="02040503050406030204" pitchFamily="18" charset="0"/>
+                            </a:rPr>
+                            <m:t>𝐾</m:t>
+                          </m:r>
+                        </m:e>
+                        <m:sub>
+                          <m:r>
+                            <a:rPr lang="en-US" b="0" i="1" smtClean="0">
+                              <a:latin typeface="Cambria Math" panose="02040503050406030204" pitchFamily="18" charset="0"/>
+                            </a:rPr>
+                            <m:t>1</m:t>
+                          </m:r>
+                        </m:sub>
+                      </m:sSub>
+                    </m:oMath>
+                  </m:oMathPara>
+                </a14:m>
+                <a:endParaRPr lang="en-US" dirty="0"/>
+              </a:p>
+            </p:txBody>
+          </p:sp>
+        </mc:Choice>
+        <mc:Fallback>
+          <p:sp>
+            <p:nvSpPr>
+              <p:cNvPr id="52" name="TextBox 51">
+                <a:extLst>
+                  <a:ext uri="{FF2B5EF4-FFF2-40B4-BE49-F238E27FC236}">
+                    <a16:creationId xmlns:a16="http://schemas.microsoft.com/office/drawing/2014/main" id="{1B94EB71-B0EC-4D08-B3F9-E5C614FB879D}"/>
+                  </a:ext>
+                </a:extLst>
+              </p:cNvPr>
+              <p:cNvSpPr txBox="1">
+                <a:spLocks noRot="1" noChangeAspect="1" noMove="1" noResize="1" noEditPoints="1" noAdjustHandles="1" noChangeArrowheads="1" noChangeShapeType="1" noTextEdit="1"/>
+              </p:cNvSpPr>
+              <p:nvPr/>
+            </p:nvSpPr>
+            <p:spPr>
+              <a:xfrm>
+                <a:off x="8257544" y="4215855"/>
+                <a:ext cx="483016" cy="369332"/>
+              </a:xfrm>
+              <a:prstGeom prst="rect">
+                <a:avLst/>
+              </a:prstGeom>
+              <a:blipFill>
+                <a:blip r:embed="rId11"/>
+                <a:stretch>
+                  <a:fillRect/>
                 </a:stretch>
               </a:blipFill>
             </p:spPr>
@@ -4517,7 +6808,7 @@
     </p:spTree>
     <p:extLst>
       <p:ext uri="{BB962C8B-B14F-4D97-AF65-F5344CB8AC3E}">
-        <p14:creationId xmlns:p14="http://schemas.microsoft.com/office/powerpoint/2010/main" val="1556576448"/>
+        <p14:creationId xmlns:p14="http://schemas.microsoft.com/office/powerpoint/2010/main" val="2878865232"/>
       </p:ext>
     </p:extLst>
   </p:cSld>
